--- a/Power Point Slides/QuestDB vs PosgreSQL.pptx
+++ b/Power Point Slides/QuestDB vs PosgreSQL.pptx
@@ -5,10 +5,10 @@
     <p:sldMasterId id="2147483648" r:id="rId4"/>
   </p:sldMasterIdLst>
   <p:notesMasterIdLst>
-    <p:notesMasterId r:id="rId13"/>
+    <p:notesMasterId r:id="rId14"/>
   </p:notesMasterIdLst>
   <p:handoutMasterIdLst>
-    <p:handoutMasterId r:id="rId14"/>
+    <p:handoutMasterId r:id="rId15"/>
   </p:handoutMasterIdLst>
   <p:sldIdLst>
     <p:sldId id="4215" r:id="rId5"/>
@@ -18,7 +18,8 @@
     <p:sldId id="4213" r:id="rId9"/>
     <p:sldId id="4221" r:id="rId10"/>
     <p:sldId id="4222" r:id="rId11"/>
-    <p:sldId id="4207" r:id="rId12"/>
+    <p:sldId id="4223" r:id="rId12"/>
+    <p:sldId id="4207" r:id="rId13"/>
   </p:sldIdLst>
   <p:sldSz cx="12192000" cy="6858000"/>
   <p:notesSz cx="6858000" cy="9144000"/>
@@ -119,7 +120,7 @@
   </p:defaultTextStyle>
   <p:extLst>
     <p:ext uri="{EFAFB233-063F-42B5-8137-9DF3F51BA10A}">
-      <p15:sldGuideLst xmlns:p15="http://schemas.microsoft.com/office/powerpoint/2012/main" xmlns="">
+      <p15:sldGuideLst xmlns="" xmlns:p15="http://schemas.microsoft.com/office/powerpoint/2012/main">
         <p15:guide id="1" orient="horz" pos="2160">
           <p15:clr>
             <a:srgbClr val="A4A3A4"/>
@@ -133,7 +134,7 @@
       </p15:sldGuideLst>
     </p:ext>
     <p:ext uri="{2D200454-40CA-4A62-9FC3-DE9A4176ACB9}">
-      <p15:notesGuideLst xmlns:p15="http://schemas.microsoft.com/office/powerpoint/2012/main" xmlns=""/>
+      <p15:notesGuideLst xmlns="" xmlns:p15="http://schemas.microsoft.com/office/powerpoint/2012/main"/>
     </p:ext>
   </p:extLst>
 </p:presentation>
@@ -175,7 +176,7 @@
           <p:cNvPr id="2" name="Header Placeholder 1">
             <a:extLst>
               <a:ext uri="{FF2B5EF4-FFF2-40B4-BE49-F238E27FC236}">
-                <a16:creationId xmlns:a16="http://schemas.microsoft.com/office/drawing/2014/main" xmlns="" id="{273365B8-2511-D040-9EAC-EAD5E1AB0259}"/>
+                <a16:creationId xmlns="" xmlns:a16="http://schemas.microsoft.com/office/drawing/2014/main" id="{273365B8-2511-D040-9EAC-EAD5E1AB0259}"/>
               </a:ext>
             </a:extLst>
           </p:cNvPr>
@@ -212,7 +213,7 @@
           <p:cNvPr id="3" name="Date Placeholder 2">
             <a:extLst>
               <a:ext uri="{FF2B5EF4-FFF2-40B4-BE49-F238E27FC236}">
-                <a16:creationId xmlns:a16="http://schemas.microsoft.com/office/drawing/2014/main" xmlns="" id="{FA53D240-1E32-F546-97BB-3F81E4C94127}"/>
+                <a16:creationId xmlns="" xmlns:a16="http://schemas.microsoft.com/office/drawing/2014/main" id="{FA53D240-1E32-F546-97BB-3F81E4C94127}"/>
               </a:ext>
             </a:extLst>
           </p:cNvPr>
@@ -243,7 +244,7 @@
             <a:fld id="{5E46B522-554D-304C-B062-B3D14C953F88}" type="datetimeFigureOut">
               <a:rPr lang="en-US" smtClean="0"/>
               <a:pPr/>
-              <a:t>10/16/2024</a:t>
+              <a:t>10/30/2024</a:t>
             </a:fld>
             <a:endParaRPr lang="en-US"/>
           </a:p>
@@ -254,7 +255,7 @@
           <p:cNvPr id="4" name="Footer Placeholder 3">
             <a:extLst>
               <a:ext uri="{FF2B5EF4-FFF2-40B4-BE49-F238E27FC236}">
-                <a16:creationId xmlns:a16="http://schemas.microsoft.com/office/drawing/2014/main" xmlns="" id="{0FB1C412-F491-B74E-A609-73034009A4FE}"/>
+                <a16:creationId xmlns="" xmlns:a16="http://schemas.microsoft.com/office/drawing/2014/main" id="{0FB1C412-F491-B74E-A609-73034009A4FE}"/>
               </a:ext>
             </a:extLst>
           </p:cNvPr>
@@ -291,7 +292,7 @@
           <p:cNvPr id="5" name="Slide Number Placeholder 4">
             <a:extLst>
               <a:ext uri="{FF2B5EF4-FFF2-40B4-BE49-F238E27FC236}">
-                <a16:creationId xmlns:a16="http://schemas.microsoft.com/office/drawing/2014/main" xmlns="" id="{0B72CE36-DEB7-BF4C-A096-B6E5D881FA61}"/>
+                <a16:creationId xmlns="" xmlns:a16="http://schemas.microsoft.com/office/drawing/2014/main" id="{0B72CE36-DEB7-BF4C-A096-B6E5D881FA61}"/>
               </a:ext>
             </a:extLst>
           </p:cNvPr>
@@ -331,7 +332,7 @@
     </p:spTree>
     <p:extLst>
       <p:ext uri="{BB962C8B-B14F-4D97-AF65-F5344CB8AC3E}">
-        <p14:creationId xmlns:p14="http://schemas.microsoft.com/office/powerpoint/2010/main" xmlns="" val="2867797386"/>
+        <p14:creationId xmlns="" xmlns:p14="http://schemas.microsoft.com/office/powerpoint/2010/main" val="2867797386"/>
       </p:ext>
     </p:extLst>
   </p:cSld>
@@ -422,7 +423,7 @@
             <a:fld id="{5BA413F0-8702-4C58-A1DC-FE228FE832D3}" type="datetimeFigureOut">
               <a:rPr lang="en-US" smtClean="0"/>
               <a:pPr/>
-              <a:t>10/16/2024</a:t>
+              <a:t>10/30/2024</a:t>
             </a:fld>
             <a:endParaRPr lang="en-US"/>
           </a:p>
@@ -590,7 +591,7 @@
     </p:spTree>
     <p:extLst>
       <p:ext uri="{BB962C8B-B14F-4D97-AF65-F5344CB8AC3E}">
-        <p14:creationId xmlns:p14="http://schemas.microsoft.com/office/powerpoint/2010/main" xmlns="" val="2039652292"/>
+        <p14:creationId xmlns="" xmlns:p14="http://schemas.microsoft.com/office/powerpoint/2010/main" val="2039652292"/>
       </p:ext>
     </p:extLst>
   </p:cSld>
@@ -712,7 +713,7 @@
           <p:cNvPr id="8" name="Picture 7">
             <a:extLst>
               <a:ext uri="{FF2B5EF4-FFF2-40B4-BE49-F238E27FC236}">
-                <a16:creationId xmlns:a16="http://schemas.microsoft.com/office/drawing/2014/main" xmlns="" id="{DCB70024-7CB7-C54A-B281-8ABD3CB28A78}"/>
+                <a16:creationId xmlns="" xmlns:a16="http://schemas.microsoft.com/office/drawing/2014/main" id="{DCB70024-7CB7-C54A-B281-8ABD3CB28A78}"/>
               </a:ext>
             </a:extLst>
           </p:cNvPr>
@@ -742,7 +743,7 @@
           <p:cNvPr id="2" name="Title 1">
             <a:extLst>
               <a:ext uri="{FF2B5EF4-FFF2-40B4-BE49-F238E27FC236}">
-                <a16:creationId xmlns:a16="http://schemas.microsoft.com/office/drawing/2014/main" xmlns="" id="{31D28376-80FC-AA47-983D-5AA4ADF9D4A4}"/>
+                <a16:creationId xmlns="" xmlns:a16="http://schemas.microsoft.com/office/drawing/2014/main" id="{31D28376-80FC-AA47-983D-5AA4ADF9D4A4}"/>
               </a:ext>
             </a:extLst>
           </p:cNvPr>
@@ -785,7 +786,7 @@
           <p:cNvPr id="13" name="Text Placeholder 3">
             <a:extLst>
               <a:ext uri="{FF2B5EF4-FFF2-40B4-BE49-F238E27FC236}">
-                <a16:creationId xmlns:a16="http://schemas.microsoft.com/office/drawing/2014/main" xmlns="" id="{19FEBE34-6786-634C-97C1-F56667D4943E}"/>
+                <a16:creationId xmlns="" xmlns:a16="http://schemas.microsoft.com/office/drawing/2014/main" id="{19FEBE34-6786-634C-97C1-F56667D4943E}"/>
               </a:ext>
             </a:extLst>
           </p:cNvPr>
@@ -863,7 +864,7 @@
           <p:cNvPr id="14" name="Picture 13">
             <a:extLst>
               <a:ext uri="{FF2B5EF4-FFF2-40B4-BE49-F238E27FC236}">
-                <a16:creationId xmlns:a16="http://schemas.microsoft.com/office/drawing/2014/main" xmlns="" id="{FA18BCDF-85A9-7E46-B854-763E07701F49}"/>
+                <a16:creationId xmlns="" xmlns:a16="http://schemas.microsoft.com/office/drawing/2014/main" id="{FA18BCDF-85A9-7E46-B854-763E07701F49}"/>
               </a:ext>
             </a:extLst>
           </p:cNvPr>
@@ -891,7 +892,7 @@
     </p:spTree>
     <p:extLst>
       <p:ext uri="{BB962C8B-B14F-4D97-AF65-F5344CB8AC3E}">
-        <p14:creationId xmlns:p14="http://schemas.microsoft.com/office/powerpoint/2010/main" xmlns="" val="3242109002"/>
+        <p14:creationId xmlns="" xmlns:p14="http://schemas.microsoft.com/office/powerpoint/2010/main" val="3242109002"/>
       </p:ext>
     </p:extLst>
   </p:cSld>
@@ -899,7 +900,7 @@
     <a:masterClrMapping/>
   </p:clrMapOvr>
   <mc:AlternateContent xmlns:mc="http://schemas.openxmlformats.org/markup-compatibility/2006">
-    <mc:Choice xmlns:p14="http://schemas.microsoft.com/office/powerpoint/2010/main" xmlns="" Requires="p14">
+    <mc:Choice xmlns="" xmlns:p14="http://schemas.microsoft.com/office/powerpoint/2010/main" Requires="p14">
       <p:transition spd="slow" p14:dur="2000" advClick="0" advTm="5000"/>
     </mc:Choice>
     <mc:Fallback>
@@ -931,7 +932,7 @@
           <p:cNvPr id="3" name="Rectangle 2">
             <a:extLst>
               <a:ext uri="{FF2B5EF4-FFF2-40B4-BE49-F238E27FC236}">
-                <a16:creationId xmlns:a16="http://schemas.microsoft.com/office/drawing/2014/main" xmlns="" id="{312D6159-2173-3548-874C-452958A85DF6}"/>
+                <a16:creationId xmlns="" xmlns:a16="http://schemas.microsoft.com/office/drawing/2014/main" id="{312D6159-2173-3548-874C-452958A85DF6}"/>
               </a:ext>
             </a:extLst>
           </p:cNvPr>
@@ -991,7 +992,7 @@
           <p:cNvPr id="9" name="Picture 8">
             <a:extLst>
               <a:ext uri="{FF2B5EF4-FFF2-40B4-BE49-F238E27FC236}">
-                <a16:creationId xmlns:a16="http://schemas.microsoft.com/office/drawing/2014/main" xmlns="" id="{7D240A3C-FB87-A849-BF43-94582DC1113D}"/>
+                <a16:creationId xmlns="" xmlns:a16="http://schemas.microsoft.com/office/drawing/2014/main" id="{7D240A3C-FB87-A849-BF43-94582DC1113D}"/>
               </a:ext>
             </a:extLst>
           </p:cNvPr>
@@ -1021,7 +1022,7 @@
           <p:cNvPr id="5" name="Parallelogram 4">
             <a:extLst>
               <a:ext uri="{FF2B5EF4-FFF2-40B4-BE49-F238E27FC236}">
-                <a16:creationId xmlns:a16="http://schemas.microsoft.com/office/drawing/2014/main" xmlns="" id="{044CF2C6-1EB8-C545-A5EB-AF5DD2B28349}"/>
+                <a16:creationId xmlns="" xmlns:a16="http://schemas.microsoft.com/office/drawing/2014/main" id="{044CF2C6-1EB8-C545-A5EB-AF5DD2B28349}"/>
               </a:ext>
             </a:extLst>
           </p:cNvPr>
@@ -1077,7 +1078,7 @@
           <p:cNvPr id="11" name="Parallelogram 10">
             <a:extLst>
               <a:ext uri="{FF2B5EF4-FFF2-40B4-BE49-F238E27FC236}">
-                <a16:creationId xmlns:a16="http://schemas.microsoft.com/office/drawing/2014/main" xmlns="" id="{82DF6964-073F-A741-8B17-E0E690F4DF59}"/>
+                <a16:creationId xmlns="" xmlns:a16="http://schemas.microsoft.com/office/drawing/2014/main" id="{82DF6964-073F-A741-8B17-E0E690F4DF59}"/>
               </a:ext>
             </a:extLst>
           </p:cNvPr>
@@ -1133,7 +1134,7 @@
           <p:cNvPr id="12" name="Picture 11">
             <a:extLst>
               <a:ext uri="{FF2B5EF4-FFF2-40B4-BE49-F238E27FC236}">
-                <a16:creationId xmlns:a16="http://schemas.microsoft.com/office/drawing/2014/main" xmlns="" id="{5468F2ED-84BD-5740-B8E1-A6C010A50528}"/>
+                <a16:creationId xmlns="" xmlns:a16="http://schemas.microsoft.com/office/drawing/2014/main" id="{5468F2ED-84BD-5740-B8E1-A6C010A50528}"/>
               </a:ext>
             </a:extLst>
           </p:cNvPr>
@@ -1163,7 +1164,7 @@
           <p:cNvPr id="2" name="Title 1">
             <a:extLst>
               <a:ext uri="{FF2B5EF4-FFF2-40B4-BE49-F238E27FC236}">
-                <a16:creationId xmlns:a16="http://schemas.microsoft.com/office/drawing/2014/main" xmlns="" id="{31D28376-80FC-AA47-983D-5AA4ADF9D4A4}"/>
+                <a16:creationId xmlns="" xmlns:a16="http://schemas.microsoft.com/office/drawing/2014/main" id="{31D28376-80FC-AA47-983D-5AA4ADF9D4A4}"/>
               </a:ext>
             </a:extLst>
           </p:cNvPr>
@@ -1206,7 +1207,7 @@
           <p:cNvPr id="14" name="Picture 13">
             <a:extLst>
               <a:ext uri="{FF2B5EF4-FFF2-40B4-BE49-F238E27FC236}">
-                <a16:creationId xmlns:a16="http://schemas.microsoft.com/office/drawing/2014/main" xmlns="" id="{49AFA3BC-2111-0D40-8CDB-D02BC1839772}"/>
+                <a16:creationId xmlns="" xmlns:a16="http://schemas.microsoft.com/office/drawing/2014/main" id="{49AFA3BC-2111-0D40-8CDB-D02BC1839772}"/>
               </a:ext>
             </a:extLst>
           </p:cNvPr>
@@ -1236,7 +1237,7 @@
           <p:cNvPr id="10" name="Picture 9">
             <a:extLst>
               <a:ext uri="{FF2B5EF4-FFF2-40B4-BE49-F238E27FC236}">
-                <a16:creationId xmlns:a16="http://schemas.microsoft.com/office/drawing/2014/main" xmlns="" id="{3E633816-E054-8940-AF72-870913AF2214}"/>
+                <a16:creationId xmlns="" xmlns:a16="http://schemas.microsoft.com/office/drawing/2014/main" id="{3E633816-E054-8940-AF72-870913AF2214}"/>
               </a:ext>
             </a:extLst>
           </p:cNvPr>
@@ -1266,7 +1267,7 @@
           <p:cNvPr id="6" name="Parallelogram 5">
             <a:extLst>
               <a:ext uri="{FF2B5EF4-FFF2-40B4-BE49-F238E27FC236}">
-                <a16:creationId xmlns:a16="http://schemas.microsoft.com/office/drawing/2014/main" xmlns="" id="{8A924114-BABB-6746-9878-D1B4CE11052D}"/>
+                <a16:creationId xmlns="" xmlns:a16="http://schemas.microsoft.com/office/drawing/2014/main" id="{8A924114-BABB-6746-9878-D1B4CE11052D}"/>
               </a:ext>
             </a:extLst>
           </p:cNvPr>
@@ -1330,7 +1331,7 @@
           <p:cNvPr id="13" name="Text Placeholder 3">
             <a:extLst>
               <a:ext uri="{FF2B5EF4-FFF2-40B4-BE49-F238E27FC236}">
-                <a16:creationId xmlns:a16="http://schemas.microsoft.com/office/drawing/2014/main" xmlns="" id="{19FEBE34-6786-634C-97C1-F56667D4943E}"/>
+                <a16:creationId xmlns="" xmlns:a16="http://schemas.microsoft.com/office/drawing/2014/main" id="{19FEBE34-6786-634C-97C1-F56667D4943E}"/>
               </a:ext>
             </a:extLst>
           </p:cNvPr>
@@ -1406,7 +1407,7 @@
     </p:spTree>
     <p:extLst>
       <p:ext uri="{BB962C8B-B14F-4D97-AF65-F5344CB8AC3E}">
-        <p14:creationId xmlns:p14="http://schemas.microsoft.com/office/powerpoint/2010/main" xmlns="" val="1934555395"/>
+        <p14:creationId xmlns="" xmlns:p14="http://schemas.microsoft.com/office/powerpoint/2010/main" val="1934555395"/>
       </p:ext>
     </p:extLst>
   </p:cSld>
@@ -1414,7 +1415,7 @@
     <a:masterClrMapping/>
   </p:clrMapOvr>
   <mc:AlternateContent xmlns:mc="http://schemas.openxmlformats.org/markup-compatibility/2006">
-    <mc:Choice xmlns:p14="http://schemas.microsoft.com/office/powerpoint/2010/main" xmlns="" Requires="p14">
+    <mc:Choice xmlns="" xmlns:p14="http://schemas.microsoft.com/office/powerpoint/2010/main" Requires="p14">
       <p:transition spd="slow" p14:dur="2000" advClick="0" advTm="5000"/>
     </mc:Choice>
     <mc:Fallback>
@@ -1446,7 +1447,7 @@
           <p:cNvPr id="7" name="Picture 6">
             <a:extLst>
               <a:ext uri="{FF2B5EF4-FFF2-40B4-BE49-F238E27FC236}">
-                <a16:creationId xmlns:a16="http://schemas.microsoft.com/office/drawing/2014/main" xmlns="" id="{BCA450C1-58BE-6E4E-9CBF-0FB691FD755E}"/>
+                <a16:creationId xmlns="" xmlns:a16="http://schemas.microsoft.com/office/drawing/2014/main" id="{BCA450C1-58BE-6E4E-9CBF-0FB691FD755E}"/>
               </a:ext>
             </a:extLst>
           </p:cNvPr>
@@ -1476,7 +1477,7 @@
           <p:cNvPr id="14" name="Picture 13">
             <a:extLst>
               <a:ext uri="{FF2B5EF4-FFF2-40B4-BE49-F238E27FC236}">
-                <a16:creationId xmlns:a16="http://schemas.microsoft.com/office/drawing/2014/main" xmlns="" id="{0CFBEA58-BD22-D24F-B512-8BA514AB9008}"/>
+                <a16:creationId xmlns="" xmlns:a16="http://schemas.microsoft.com/office/drawing/2014/main" id="{0CFBEA58-BD22-D24F-B512-8BA514AB9008}"/>
               </a:ext>
             </a:extLst>
           </p:cNvPr>
@@ -1506,7 +1507,7 @@
           <p:cNvPr id="2" name="Title 1">
             <a:extLst>
               <a:ext uri="{FF2B5EF4-FFF2-40B4-BE49-F238E27FC236}">
-                <a16:creationId xmlns:a16="http://schemas.microsoft.com/office/drawing/2014/main" xmlns="" id="{31D28376-80FC-AA47-983D-5AA4ADF9D4A4}"/>
+                <a16:creationId xmlns="" xmlns:a16="http://schemas.microsoft.com/office/drawing/2014/main" id="{31D28376-80FC-AA47-983D-5AA4ADF9D4A4}"/>
               </a:ext>
             </a:extLst>
           </p:cNvPr>
@@ -1547,7 +1548,7 @@
           <p:cNvPr id="13" name="Text Placeholder 3">
             <a:extLst>
               <a:ext uri="{FF2B5EF4-FFF2-40B4-BE49-F238E27FC236}">
-                <a16:creationId xmlns:a16="http://schemas.microsoft.com/office/drawing/2014/main" xmlns="" id="{19FEBE34-6786-634C-97C1-F56667D4943E}"/>
+                <a16:creationId xmlns="" xmlns:a16="http://schemas.microsoft.com/office/drawing/2014/main" id="{19FEBE34-6786-634C-97C1-F56667D4943E}"/>
               </a:ext>
             </a:extLst>
           </p:cNvPr>
@@ -1625,7 +1626,7 @@
     </p:spTree>
     <p:extLst>
       <p:ext uri="{BB962C8B-B14F-4D97-AF65-F5344CB8AC3E}">
-        <p14:creationId xmlns:p14="http://schemas.microsoft.com/office/powerpoint/2010/main" xmlns="" val="3633923498"/>
+        <p14:creationId xmlns="" xmlns:p14="http://schemas.microsoft.com/office/powerpoint/2010/main" val="3633923498"/>
       </p:ext>
     </p:extLst>
   </p:cSld>
@@ -1633,7 +1634,7 @@
     <a:masterClrMapping/>
   </p:clrMapOvr>
   <mc:AlternateContent xmlns:mc="http://schemas.openxmlformats.org/markup-compatibility/2006">
-    <mc:Choice xmlns:p14="http://schemas.microsoft.com/office/powerpoint/2010/main" xmlns="" Requires="p14">
+    <mc:Choice xmlns="" xmlns:p14="http://schemas.microsoft.com/office/powerpoint/2010/main" Requires="p14">
       <p:transition spd="slow" p14:dur="2000" advClick="0" advTm="5000"/>
     </mc:Choice>
     <mc:Fallback>
@@ -1665,7 +1666,7 @@
           <p:cNvPr id="4" name="Picture 3">
             <a:extLst>
               <a:ext uri="{FF2B5EF4-FFF2-40B4-BE49-F238E27FC236}">
-                <a16:creationId xmlns:a16="http://schemas.microsoft.com/office/drawing/2014/main" xmlns="" id="{7216A11E-EB76-6A4D-AE29-9332E8815DF5}"/>
+                <a16:creationId xmlns="" xmlns:a16="http://schemas.microsoft.com/office/drawing/2014/main" id="{7216A11E-EB76-6A4D-AE29-9332E8815DF5}"/>
               </a:ext>
             </a:extLst>
           </p:cNvPr>
@@ -1695,7 +1696,7 @@
           <p:cNvPr id="14" name="Picture 13">
             <a:extLst>
               <a:ext uri="{FF2B5EF4-FFF2-40B4-BE49-F238E27FC236}">
-                <a16:creationId xmlns:a16="http://schemas.microsoft.com/office/drawing/2014/main" xmlns="" id="{05601A25-21DD-1E4D-AFB7-71CAFF449160}"/>
+                <a16:creationId xmlns="" xmlns:a16="http://schemas.microsoft.com/office/drawing/2014/main" id="{05601A25-21DD-1E4D-AFB7-71CAFF449160}"/>
               </a:ext>
             </a:extLst>
           </p:cNvPr>
@@ -1725,7 +1726,7 @@
           <p:cNvPr id="5" name="Slide Number Placeholder 4">
             <a:extLst>
               <a:ext uri="{FF2B5EF4-FFF2-40B4-BE49-F238E27FC236}">
-                <a16:creationId xmlns:a16="http://schemas.microsoft.com/office/drawing/2014/main" xmlns="" id="{E766DCC1-03BD-8D48-975F-E848D408E17A}"/>
+                <a16:creationId xmlns="" xmlns:a16="http://schemas.microsoft.com/office/drawing/2014/main" id="{E766DCC1-03BD-8D48-975F-E848D408E17A}"/>
               </a:ext>
             </a:extLst>
           </p:cNvPr>
@@ -1768,7 +1769,7 @@
           <p:cNvPr id="13" name="Picture 12">
             <a:extLst>
               <a:ext uri="{FF2B5EF4-FFF2-40B4-BE49-F238E27FC236}">
-                <a16:creationId xmlns:a16="http://schemas.microsoft.com/office/drawing/2014/main" xmlns="" id="{0FC8616F-1480-6F40-B21A-CC2BA2C45BED}"/>
+                <a16:creationId xmlns="" xmlns:a16="http://schemas.microsoft.com/office/drawing/2014/main" id="{0FC8616F-1480-6F40-B21A-CC2BA2C45BED}"/>
               </a:ext>
             </a:extLst>
           </p:cNvPr>
@@ -1798,7 +1799,7 @@
           <p:cNvPr id="8" name="Text Placeholder 3">
             <a:extLst>
               <a:ext uri="{FF2B5EF4-FFF2-40B4-BE49-F238E27FC236}">
-                <a16:creationId xmlns:a16="http://schemas.microsoft.com/office/drawing/2014/main" xmlns="" id="{28EA1C4D-6527-1A41-B80D-82366B12758F}"/>
+                <a16:creationId xmlns="" xmlns:a16="http://schemas.microsoft.com/office/drawing/2014/main" id="{28EA1C4D-6527-1A41-B80D-82366B12758F}"/>
               </a:ext>
             </a:extLst>
           </p:cNvPr>
@@ -1891,7 +1892,7 @@
           <p:cNvPr id="9" name="Text Placeholder 3">
             <a:extLst>
               <a:ext uri="{FF2B5EF4-FFF2-40B4-BE49-F238E27FC236}">
-                <a16:creationId xmlns:a16="http://schemas.microsoft.com/office/drawing/2014/main" xmlns="" id="{C9953FA3-FF52-2645-8039-6B173888D710}"/>
+                <a16:creationId xmlns="" xmlns:a16="http://schemas.microsoft.com/office/drawing/2014/main" id="{C9953FA3-FF52-2645-8039-6B173888D710}"/>
               </a:ext>
             </a:extLst>
           </p:cNvPr>
@@ -1973,7 +1974,7 @@
           <p:cNvPr id="10" name="Title 1">
             <a:extLst>
               <a:ext uri="{FF2B5EF4-FFF2-40B4-BE49-F238E27FC236}">
-                <a16:creationId xmlns:a16="http://schemas.microsoft.com/office/drawing/2014/main" xmlns="" id="{4AE68015-0AAC-0C46-8F76-36477CC385DE}"/>
+                <a16:creationId xmlns="" xmlns:a16="http://schemas.microsoft.com/office/drawing/2014/main" id="{4AE68015-0AAC-0C46-8F76-36477CC385DE}"/>
               </a:ext>
             </a:extLst>
           </p:cNvPr>
@@ -2016,7 +2017,7 @@
           <p:cNvPr id="11" name="Text Placeholder 3">
             <a:extLst>
               <a:ext uri="{FF2B5EF4-FFF2-40B4-BE49-F238E27FC236}">
-                <a16:creationId xmlns:a16="http://schemas.microsoft.com/office/drawing/2014/main" xmlns="" id="{169BBA5D-EECF-4043-90D1-DD6BB50A5390}"/>
+                <a16:creationId xmlns="" xmlns:a16="http://schemas.microsoft.com/office/drawing/2014/main" id="{169BBA5D-EECF-4043-90D1-DD6BB50A5390}"/>
               </a:ext>
             </a:extLst>
           </p:cNvPr>
@@ -2093,7 +2094,7 @@
     </p:spTree>
     <p:extLst>
       <p:ext uri="{BB962C8B-B14F-4D97-AF65-F5344CB8AC3E}">
-        <p14:creationId xmlns:p14="http://schemas.microsoft.com/office/powerpoint/2010/main" xmlns="" val="3416040107"/>
+        <p14:creationId xmlns="" xmlns:p14="http://schemas.microsoft.com/office/powerpoint/2010/main" val="3416040107"/>
       </p:ext>
     </p:extLst>
   </p:cSld>
@@ -2101,7 +2102,7 @@
     <a:masterClrMapping/>
   </p:clrMapOvr>
   <mc:AlternateContent xmlns:mc="http://schemas.openxmlformats.org/markup-compatibility/2006">
-    <mc:Choice xmlns:p14="http://schemas.microsoft.com/office/powerpoint/2010/main" xmlns="" Requires="p14">
+    <mc:Choice xmlns="" xmlns:p14="http://schemas.microsoft.com/office/powerpoint/2010/main" Requires="p14">
       <p:transition spd="slow" p14:dur="2000" advClick="0" advTm="5000"/>
     </mc:Choice>
     <mc:Fallback>
@@ -2133,7 +2134,7 @@
           <p:cNvPr id="7" name="Picture 6">
             <a:extLst>
               <a:ext uri="{FF2B5EF4-FFF2-40B4-BE49-F238E27FC236}">
-                <a16:creationId xmlns:a16="http://schemas.microsoft.com/office/drawing/2014/main" xmlns="" id="{A4D44DAB-CF6D-0148-B76F-DB4FDFF7BE3C}"/>
+                <a16:creationId xmlns="" xmlns:a16="http://schemas.microsoft.com/office/drawing/2014/main" id="{A4D44DAB-CF6D-0148-B76F-DB4FDFF7BE3C}"/>
               </a:ext>
             </a:extLst>
           </p:cNvPr>
@@ -2163,7 +2164,7 @@
           <p:cNvPr id="14" name="Picture 13">
             <a:extLst>
               <a:ext uri="{FF2B5EF4-FFF2-40B4-BE49-F238E27FC236}">
-                <a16:creationId xmlns:a16="http://schemas.microsoft.com/office/drawing/2014/main" xmlns="" id="{05601A25-21DD-1E4D-AFB7-71CAFF449160}"/>
+                <a16:creationId xmlns="" xmlns:a16="http://schemas.microsoft.com/office/drawing/2014/main" id="{05601A25-21DD-1E4D-AFB7-71CAFF449160}"/>
               </a:ext>
             </a:extLst>
           </p:cNvPr>
@@ -2193,7 +2194,7 @@
           <p:cNvPr id="5" name="Slide Number Placeholder 4">
             <a:extLst>
               <a:ext uri="{FF2B5EF4-FFF2-40B4-BE49-F238E27FC236}">
-                <a16:creationId xmlns:a16="http://schemas.microsoft.com/office/drawing/2014/main" xmlns="" id="{E766DCC1-03BD-8D48-975F-E848D408E17A}"/>
+                <a16:creationId xmlns="" xmlns:a16="http://schemas.microsoft.com/office/drawing/2014/main" id="{E766DCC1-03BD-8D48-975F-E848D408E17A}"/>
               </a:ext>
             </a:extLst>
           </p:cNvPr>
@@ -2236,7 +2237,7 @@
           <p:cNvPr id="13" name="Picture 12">
             <a:extLst>
               <a:ext uri="{FF2B5EF4-FFF2-40B4-BE49-F238E27FC236}">
-                <a16:creationId xmlns:a16="http://schemas.microsoft.com/office/drawing/2014/main" xmlns="" id="{0FC8616F-1480-6F40-B21A-CC2BA2C45BED}"/>
+                <a16:creationId xmlns="" xmlns:a16="http://schemas.microsoft.com/office/drawing/2014/main" id="{0FC8616F-1480-6F40-B21A-CC2BA2C45BED}"/>
               </a:ext>
             </a:extLst>
           </p:cNvPr>
@@ -2266,7 +2267,7 @@
           <p:cNvPr id="8" name="Text Placeholder 3">
             <a:extLst>
               <a:ext uri="{FF2B5EF4-FFF2-40B4-BE49-F238E27FC236}">
-                <a16:creationId xmlns:a16="http://schemas.microsoft.com/office/drawing/2014/main" xmlns="" id="{28EA1C4D-6527-1A41-B80D-82366B12758F}"/>
+                <a16:creationId xmlns="" xmlns:a16="http://schemas.microsoft.com/office/drawing/2014/main" id="{28EA1C4D-6527-1A41-B80D-82366B12758F}"/>
               </a:ext>
             </a:extLst>
           </p:cNvPr>
@@ -2359,7 +2360,7 @@
           <p:cNvPr id="10" name="Title 1">
             <a:extLst>
               <a:ext uri="{FF2B5EF4-FFF2-40B4-BE49-F238E27FC236}">
-                <a16:creationId xmlns:a16="http://schemas.microsoft.com/office/drawing/2014/main" xmlns="" id="{4AE68015-0AAC-0C46-8F76-36477CC385DE}"/>
+                <a16:creationId xmlns="" xmlns:a16="http://schemas.microsoft.com/office/drawing/2014/main" id="{4AE68015-0AAC-0C46-8F76-36477CC385DE}"/>
               </a:ext>
             </a:extLst>
           </p:cNvPr>
@@ -2402,7 +2403,7 @@
           <p:cNvPr id="11" name="Text Placeholder 3">
             <a:extLst>
               <a:ext uri="{FF2B5EF4-FFF2-40B4-BE49-F238E27FC236}">
-                <a16:creationId xmlns:a16="http://schemas.microsoft.com/office/drawing/2014/main" xmlns="" id="{169BBA5D-EECF-4043-90D1-DD6BB50A5390}"/>
+                <a16:creationId xmlns="" xmlns:a16="http://schemas.microsoft.com/office/drawing/2014/main" id="{169BBA5D-EECF-4043-90D1-DD6BB50A5390}"/>
               </a:ext>
             </a:extLst>
           </p:cNvPr>
@@ -2479,7 +2480,7 @@
     </p:spTree>
     <p:extLst>
       <p:ext uri="{BB962C8B-B14F-4D97-AF65-F5344CB8AC3E}">
-        <p14:creationId xmlns:p14="http://schemas.microsoft.com/office/powerpoint/2010/main" xmlns="" val="42572479"/>
+        <p14:creationId xmlns="" xmlns:p14="http://schemas.microsoft.com/office/powerpoint/2010/main" val="42572479"/>
       </p:ext>
     </p:extLst>
   </p:cSld>
@@ -2487,7 +2488,7 @@
     <a:masterClrMapping/>
   </p:clrMapOvr>
   <mc:AlternateContent xmlns:mc="http://schemas.openxmlformats.org/markup-compatibility/2006">
-    <mc:Choice xmlns:p14="http://schemas.microsoft.com/office/powerpoint/2010/main" xmlns="" Requires="p14">
+    <mc:Choice xmlns="" xmlns:p14="http://schemas.microsoft.com/office/powerpoint/2010/main" Requires="p14">
       <p:transition spd="slow" p14:dur="2000" advClick="0" advTm="5000"/>
     </mc:Choice>
     <mc:Fallback>
@@ -2519,7 +2520,7 @@
           <p:cNvPr id="14" name="Picture 13">
             <a:extLst>
               <a:ext uri="{FF2B5EF4-FFF2-40B4-BE49-F238E27FC236}">
-                <a16:creationId xmlns:a16="http://schemas.microsoft.com/office/drawing/2014/main" xmlns="" id="{C7A97301-F55A-4C46-8CF8-5B32F4872318}"/>
+                <a16:creationId xmlns="" xmlns:a16="http://schemas.microsoft.com/office/drawing/2014/main" id="{C7A97301-F55A-4C46-8CF8-5B32F4872318}"/>
               </a:ext>
             </a:extLst>
           </p:cNvPr>
@@ -2549,7 +2550,7 @@
           <p:cNvPr id="5" name="Slide Number Placeholder 4">
             <a:extLst>
               <a:ext uri="{FF2B5EF4-FFF2-40B4-BE49-F238E27FC236}">
-                <a16:creationId xmlns:a16="http://schemas.microsoft.com/office/drawing/2014/main" xmlns="" id="{E766DCC1-03BD-8D48-975F-E848D408E17A}"/>
+                <a16:creationId xmlns="" xmlns:a16="http://schemas.microsoft.com/office/drawing/2014/main" id="{E766DCC1-03BD-8D48-975F-E848D408E17A}"/>
               </a:ext>
             </a:extLst>
           </p:cNvPr>
@@ -2592,7 +2593,7 @@
           <p:cNvPr id="13" name="Picture 12">
             <a:extLst>
               <a:ext uri="{FF2B5EF4-FFF2-40B4-BE49-F238E27FC236}">
-                <a16:creationId xmlns:a16="http://schemas.microsoft.com/office/drawing/2014/main" xmlns="" id="{0FC8616F-1480-6F40-B21A-CC2BA2C45BED}"/>
+                <a16:creationId xmlns="" xmlns:a16="http://schemas.microsoft.com/office/drawing/2014/main" id="{0FC8616F-1480-6F40-B21A-CC2BA2C45BED}"/>
               </a:ext>
             </a:extLst>
           </p:cNvPr>
@@ -2622,7 +2623,7 @@
           <p:cNvPr id="8" name="Text Placeholder 3">
             <a:extLst>
               <a:ext uri="{FF2B5EF4-FFF2-40B4-BE49-F238E27FC236}">
-                <a16:creationId xmlns:a16="http://schemas.microsoft.com/office/drawing/2014/main" xmlns="" id="{28EA1C4D-6527-1A41-B80D-82366B12758F}"/>
+                <a16:creationId xmlns="" xmlns:a16="http://schemas.microsoft.com/office/drawing/2014/main" id="{28EA1C4D-6527-1A41-B80D-82366B12758F}"/>
               </a:ext>
             </a:extLst>
           </p:cNvPr>
@@ -2715,7 +2716,7 @@
           <p:cNvPr id="9" name="Text Placeholder 3">
             <a:extLst>
               <a:ext uri="{FF2B5EF4-FFF2-40B4-BE49-F238E27FC236}">
-                <a16:creationId xmlns:a16="http://schemas.microsoft.com/office/drawing/2014/main" xmlns="" id="{C9953FA3-FF52-2645-8039-6B173888D710}"/>
+                <a16:creationId xmlns="" xmlns:a16="http://schemas.microsoft.com/office/drawing/2014/main" id="{C9953FA3-FF52-2645-8039-6B173888D710}"/>
               </a:ext>
             </a:extLst>
           </p:cNvPr>
@@ -2797,7 +2798,7 @@
           <p:cNvPr id="10" name="Title 1">
             <a:extLst>
               <a:ext uri="{FF2B5EF4-FFF2-40B4-BE49-F238E27FC236}">
-                <a16:creationId xmlns:a16="http://schemas.microsoft.com/office/drawing/2014/main" xmlns="" id="{4AE68015-0AAC-0C46-8F76-36477CC385DE}"/>
+                <a16:creationId xmlns="" xmlns:a16="http://schemas.microsoft.com/office/drawing/2014/main" id="{4AE68015-0AAC-0C46-8F76-36477CC385DE}"/>
               </a:ext>
             </a:extLst>
           </p:cNvPr>
@@ -2840,7 +2841,7 @@
           <p:cNvPr id="11" name="Text Placeholder 3">
             <a:extLst>
               <a:ext uri="{FF2B5EF4-FFF2-40B4-BE49-F238E27FC236}">
-                <a16:creationId xmlns:a16="http://schemas.microsoft.com/office/drawing/2014/main" xmlns="" id="{169BBA5D-EECF-4043-90D1-DD6BB50A5390}"/>
+                <a16:creationId xmlns="" xmlns:a16="http://schemas.microsoft.com/office/drawing/2014/main" id="{169BBA5D-EECF-4043-90D1-DD6BB50A5390}"/>
               </a:ext>
             </a:extLst>
           </p:cNvPr>
@@ -2917,7 +2918,7 @@
     </p:spTree>
     <p:extLst>
       <p:ext uri="{BB962C8B-B14F-4D97-AF65-F5344CB8AC3E}">
-        <p14:creationId xmlns:p14="http://schemas.microsoft.com/office/powerpoint/2010/main" xmlns="" val="2804536604"/>
+        <p14:creationId xmlns="" xmlns:p14="http://schemas.microsoft.com/office/powerpoint/2010/main" val="2804536604"/>
       </p:ext>
     </p:extLst>
   </p:cSld>
@@ -2925,7 +2926,7 @@
     <a:masterClrMapping/>
   </p:clrMapOvr>
   <mc:AlternateContent xmlns:mc="http://schemas.openxmlformats.org/markup-compatibility/2006">
-    <mc:Choice xmlns:p14="http://schemas.microsoft.com/office/powerpoint/2010/main" xmlns="" Requires="p14">
+    <mc:Choice xmlns="" xmlns:p14="http://schemas.microsoft.com/office/powerpoint/2010/main" Requires="p14">
       <p:transition spd="slow" p14:dur="2000" advClick="0" advTm="5000"/>
     </mc:Choice>
     <mc:Fallback>
@@ -2957,7 +2958,7 @@
           <p:cNvPr id="4" name="Picture 3">
             <a:extLst>
               <a:ext uri="{FF2B5EF4-FFF2-40B4-BE49-F238E27FC236}">
-                <a16:creationId xmlns:a16="http://schemas.microsoft.com/office/drawing/2014/main" xmlns="" id="{62DB0137-4B83-6740-9717-4074AFAED09F}"/>
+                <a16:creationId xmlns="" xmlns:a16="http://schemas.microsoft.com/office/drawing/2014/main" id="{62DB0137-4B83-6740-9717-4074AFAED09F}"/>
               </a:ext>
             </a:extLst>
           </p:cNvPr>
@@ -2987,7 +2988,7 @@
           <p:cNvPr id="12" name="Slide Number Placeholder 4">
             <a:extLst>
               <a:ext uri="{FF2B5EF4-FFF2-40B4-BE49-F238E27FC236}">
-                <a16:creationId xmlns:a16="http://schemas.microsoft.com/office/drawing/2014/main" xmlns="" id="{A2C3A02E-F82F-EB4D-AA11-F0AB465E4529}"/>
+                <a16:creationId xmlns="" xmlns:a16="http://schemas.microsoft.com/office/drawing/2014/main" id="{A2C3A02E-F82F-EB4D-AA11-F0AB465E4529}"/>
               </a:ext>
             </a:extLst>
           </p:cNvPr>
@@ -3030,7 +3031,7 @@
           <p:cNvPr id="9" name="Picture 8">
             <a:extLst>
               <a:ext uri="{FF2B5EF4-FFF2-40B4-BE49-F238E27FC236}">
-                <a16:creationId xmlns:a16="http://schemas.microsoft.com/office/drawing/2014/main" xmlns="" id="{59D77EAE-7535-D344-A09B-3EC1D6BA9399}"/>
+                <a16:creationId xmlns="" xmlns:a16="http://schemas.microsoft.com/office/drawing/2014/main" id="{59D77EAE-7535-D344-A09B-3EC1D6BA9399}"/>
               </a:ext>
             </a:extLst>
           </p:cNvPr>
@@ -3060,7 +3061,7 @@
           <p:cNvPr id="13" name="Title 1">
             <a:extLst>
               <a:ext uri="{FF2B5EF4-FFF2-40B4-BE49-F238E27FC236}">
-                <a16:creationId xmlns:a16="http://schemas.microsoft.com/office/drawing/2014/main" xmlns="" id="{2258039E-D7E6-874C-986C-F6066D55B1D5}"/>
+                <a16:creationId xmlns="" xmlns:a16="http://schemas.microsoft.com/office/drawing/2014/main" id="{2258039E-D7E6-874C-986C-F6066D55B1D5}"/>
               </a:ext>
             </a:extLst>
           </p:cNvPr>
@@ -3101,7 +3102,7 @@
     </p:spTree>
     <p:extLst>
       <p:ext uri="{BB962C8B-B14F-4D97-AF65-F5344CB8AC3E}">
-        <p14:creationId xmlns:p14="http://schemas.microsoft.com/office/powerpoint/2010/main" xmlns="" val="600747958"/>
+        <p14:creationId xmlns="" xmlns:p14="http://schemas.microsoft.com/office/powerpoint/2010/main" val="600747958"/>
       </p:ext>
     </p:extLst>
   </p:cSld>
@@ -3109,7 +3110,7 @@
     <a:masterClrMapping/>
   </p:clrMapOvr>
   <mc:AlternateContent xmlns:mc="http://schemas.openxmlformats.org/markup-compatibility/2006">
-    <mc:Choice xmlns:p14="http://schemas.microsoft.com/office/powerpoint/2010/main" xmlns="" Requires="p14">
+    <mc:Choice xmlns="" xmlns:p14="http://schemas.microsoft.com/office/powerpoint/2010/main" Requires="p14">
       <p:transition spd="slow" p14:dur="2000" advClick="0" advTm="5000"/>
     </mc:Choice>
     <mc:Fallback>
@@ -3141,7 +3142,7 @@
           <p:cNvPr id="4" name="Picture 3">
             <a:extLst>
               <a:ext uri="{FF2B5EF4-FFF2-40B4-BE49-F238E27FC236}">
-                <a16:creationId xmlns:a16="http://schemas.microsoft.com/office/drawing/2014/main" xmlns="" id="{62DB0137-4B83-6740-9717-4074AFAED09F}"/>
+                <a16:creationId xmlns="" xmlns:a16="http://schemas.microsoft.com/office/drawing/2014/main" id="{62DB0137-4B83-6740-9717-4074AFAED09F}"/>
               </a:ext>
             </a:extLst>
           </p:cNvPr>
@@ -3171,7 +3172,7 @@
           <p:cNvPr id="12" name="Slide Number Placeholder 4">
             <a:extLst>
               <a:ext uri="{FF2B5EF4-FFF2-40B4-BE49-F238E27FC236}">
-                <a16:creationId xmlns:a16="http://schemas.microsoft.com/office/drawing/2014/main" xmlns="" id="{A2C3A02E-F82F-EB4D-AA11-F0AB465E4529}"/>
+                <a16:creationId xmlns="" xmlns:a16="http://schemas.microsoft.com/office/drawing/2014/main" id="{A2C3A02E-F82F-EB4D-AA11-F0AB465E4529}"/>
               </a:ext>
             </a:extLst>
           </p:cNvPr>
@@ -3214,7 +3215,7 @@
           <p:cNvPr id="9" name="Picture 8">
             <a:extLst>
               <a:ext uri="{FF2B5EF4-FFF2-40B4-BE49-F238E27FC236}">
-                <a16:creationId xmlns:a16="http://schemas.microsoft.com/office/drawing/2014/main" xmlns="" id="{59D77EAE-7535-D344-A09B-3EC1D6BA9399}"/>
+                <a16:creationId xmlns="" xmlns:a16="http://schemas.microsoft.com/office/drawing/2014/main" id="{59D77EAE-7535-D344-A09B-3EC1D6BA9399}"/>
               </a:ext>
             </a:extLst>
           </p:cNvPr>
@@ -3244,7 +3245,7 @@
           <p:cNvPr id="13" name="Title 1">
             <a:extLst>
               <a:ext uri="{FF2B5EF4-FFF2-40B4-BE49-F238E27FC236}">
-                <a16:creationId xmlns:a16="http://schemas.microsoft.com/office/drawing/2014/main" xmlns="" id="{2258039E-D7E6-874C-986C-F6066D55B1D5}"/>
+                <a16:creationId xmlns="" xmlns:a16="http://schemas.microsoft.com/office/drawing/2014/main" id="{2258039E-D7E6-874C-986C-F6066D55B1D5}"/>
               </a:ext>
             </a:extLst>
           </p:cNvPr>
@@ -3287,7 +3288,7 @@
           <p:cNvPr id="3" name="Chart Placeholder 2">
             <a:extLst>
               <a:ext uri="{FF2B5EF4-FFF2-40B4-BE49-F238E27FC236}">
-                <a16:creationId xmlns:a16="http://schemas.microsoft.com/office/drawing/2014/main" xmlns="" id="{4F5843D8-3A8D-C34A-B877-27577E457994}"/>
+                <a16:creationId xmlns="" xmlns:a16="http://schemas.microsoft.com/office/drawing/2014/main" id="{4F5843D8-3A8D-C34A-B877-27577E457994}"/>
               </a:ext>
             </a:extLst>
           </p:cNvPr>
@@ -3318,7 +3319,7 @@
     </p:spTree>
     <p:extLst>
       <p:ext uri="{BB962C8B-B14F-4D97-AF65-F5344CB8AC3E}">
-        <p14:creationId xmlns:p14="http://schemas.microsoft.com/office/powerpoint/2010/main" xmlns="" val="3926419513"/>
+        <p14:creationId xmlns="" xmlns:p14="http://schemas.microsoft.com/office/powerpoint/2010/main" val="3926419513"/>
       </p:ext>
     </p:extLst>
   </p:cSld>
@@ -3326,7 +3327,7 @@
     <a:masterClrMapping/>
   </p:clrMapOvr>
   <mc:AlternateContent xmlns:mc="http://schemas.openxmlformats.org/markup-compatibility/2006">
-    <mc:Choice xmlns:p14="http://schemas.microsoft.com/office/powerpoint/2010/main" xmlns="" Requires="p14">
+    <mc:Choice xmlns="" xmlns:p14="http://schemas.microsoft.com/office/powerpoint/2010/main" Requires="p14">
       <p:transition spd="slow" p14:dur="2000" advClick="0" advTm="5000"/>
     </mc:Choice>
     <mc:Fallback>
@@ -3358,7 +3359,7 @@
           <p:cNvPr id="4" name="Picture 3">
             <a:extLst>
               <a:ext uri="{FF2B5EF4-FFF2-40B4-BE49-F238E27FC236}">
-                <a16:creationId xmlns:a16="http://schemas.microsoft.com/office/drawing/2014/main" xmlns="" id="{62DB0137-4B83-6740-9717-4074AFAED09F}"/>
+                <a16:creationId xmlns="" xmlns:a16="http://schemas.microsoft.com/office/drawing/2014/main" id="{62DB0137-4B83-6740-9717-4074AFAED09F}"/>
               </a:ext>
             </a:extLst>
           </p:cNvPr>
@@ -3388,7 +3389,7 @@
           <p:cNvPr id="12" name="Slide Number Placeholder 4">
             <a:extLst>
               <a:ext uri="{FF2B5EF4-FFF2-40B4-BE49-F238E27FC236}">
-                <a16:creationId xmlns:a16="http://schemas.microsoft.com/office/drawing/2014/main" xmlns="" id="{A2C3A02E-F82F-EB4D-AA11-F0AB465E4529}"/>
+                <a16:creationId xmlns="" xmlns:a16="http://schemas.microsoft.com/office/drawing/2014/main" id="{A2C3A02E-F82F-EB4D-AA11-F0AB465E4529}"/>
               </a:ext>
             </a:extLst>
           </p:cNvPr>
@@ -3431,7 +3432,7 @@
           <p:cNvPr id="9" name="Picture 8">
             <a:extLst>
               <a:ext uri="{FF2B5EF4-FFF2-40B4-BE49-F238E27FC236}">
-                <a16:creationId xmlns:a16="http://schemas.microsoft.com/office/drawing/2014/main" xmlns="" id="{59D77EAE-7535-D344-A09B-3EC1D6BA9399}"/>
+                <a16:creationId xmlns="" xmlns:a16="http://schemas.microsoft.com/office/drawing/2014/main" id="{59D77EAE-7535-D344-A09B-3EC1D6BA9399}"/>
               </a:ext>
             </a:extLst>
           </p:cNvPr>
@@ -3461,7 +3462,7 @@
           <p:cNvPr id="13" name="Title 1">
             <a:extLst>
               <a:ext uri="{FF2B5EF4-FFF2-40B4-BE49-F238E27FC236}">
-                <a16:creationId xmlns:a16="http://schemas.microsoft.com/office/drawing/2014/main" xmlns="" id="{2258039E-D7E6-874C-986C-F6066D55B1D5}"/>
+                <a16:creationId xmlns="" xmlns:a16="http://schemas.microsoft.com/office/drawing/2014/main" id="{2258039E-D7E6-874C-986C-F6066D55B1D5}"/>
               </a:ext>
             </a:extLst>
           </p:cNvPr>
@@ -3504,7 +3505,7 @@
           <p:cNvPr id="5" name="Table Placeholder 4">
             <a:extLst>
               <a:ext uri="{FF2B5EF4-FFF2-40B4-BE49-F238E27FC236}">
-                <a16:creationId xmlns:a16="http://schemas.microsoft.com/office/drawing/2014/main" xmlns="" id="{7CF49F7B-6D68-A545-98FE-22FBD56818DB}"/>
+                <a16:creationId xmlns="" xmlns:a16="http://schemas.microsoft.com/office/drawing/2014/main" id="{7CF49F7B-6D68-A545-98FE-22FBD56818DB}"/>
               </a:ext>
             </a:extLst>
           </p:cNvPr>
@@ -3535,7 +3536,7 @@
     </p:spTree>
     <p:extLst>
       <p:ext uri="{BB962C8B-B14F-4D97-AF65-F5344CB8AC3E}">
-        <p14:creationId xmlns:p14="http://schemas.microsoft.com/office/powerpoint/2010/main" xmlns="" val="233726489"/>
+        <p14:creationId xmlns="" xmlns:p14="http://schemas.microsoft.com/office/powerpoint/2010/main" val="233726489"/>
       </p:ext>
     </p:extLst>
   </p:cSld>
@@ -3543,7 +3544,7 @@
     <a:masterClrMapping/>
   </p:clrMapOvr>
   <mc:AlternateContent xmlns:mc="http://schemas.openxmlformats.org/markup-compatibility/2006">
-    <mc:Choice xmlns:p14="http://schemas.microsoft.com/office/powerpoint/2010/main" xmlns="" Requires="p14">
+    <mc:Choice xmlns="" xmlns:p14="http://schemas.microsoft.com/office/powerpoint/2010/main" Requires="p14">
       <p:transition spd="slow" p14:dur="2000" advClick="0" advTm="5000"/>
     </mc:Choice>
     <mc:Fallback>
@@ -3580,7 +3581,7 @@
           <p:cNvPr id="2" name="Title Placeholder 1">
             <a:extLst>
               <a:ext uri="{FF2B5EF4-FFF2-40B4-BE49-F238E27FC236}">
-                <a16:creationId xmlns:a16="http://schemas.microsoft.com/office/drawing/2014/main" xmlns="" id="{3A821DDA-2F75-B143-93FB-2C358175036C}"/>
+                <a16:creationId xmlns="" xmlns:a16="http://schemas.microsoft.com/office/drawing/2014/main" id="{3A821DDA-2F75-B143-93FB-2C358175036C}"/>
               </a:ext>
             </a:extLst>
           </p:cNvPr>
@@ -3618,7 +3619,7 @@
           <p:cNvPr id="3" name="Text Placeholder 2">
             <a:extLst>
               <a:ext uri="{FF2B5EF4-FFF2-40B4-BE49-F238E27FC236}">
-                <a16:creationId xmlns:a16="http://schemas.microsoft.com/office/drawing/2014/main" xmlns="" id="{E024324D-5F1C-BD43-893B-DCFD6AE03280}"/>
+                <a16:creationId xmlns="" xmlns:a16="http://schemas.microsoft.com/office/drawing/2014/main" id="{E024324D-5F1C-BD43-893B-DCFD6AE03280}"/>
               </a:ext>
             </a:extLst>
           </p:cNvPr>
@@ -3685,7 +3686,7 @@
           <p:cNvPr id="4" name="Date Placeholder 3">
             <a:extLst>
               <a:ext uri="{FF2B5EF4-FFF2-40B4-BE49-F238E27FC236}">
-                <a16:creationId xmlns:a16="http://schemas.microsoft.com/office/drawing/2014/main" xmlns="" id="{D53771CD-33AE-C044-A1CC-79B8BB845347}"/>
+                <a16:creationId xmlns="" xmlns:a16="http://schemas.microsoft.com/office/drawing/2014/main" id="{D53771CD-33AE-C044-A1CC-79B8BB845347}"/>
               </a:ext>
             </a:extLst>
           </p:cNvPr>
@@ -3722,7 +3723,7 @@
             <a:fld id="{FBF4D725-7178-D948-AA3E-6F5F17353337}" type="datetimeFigureOut">
               <a:rPr lang="en-US" smtClean="0"/>
               <a:pPr/>
-              <a:t>10/16/2024</a:t>
+              <a:t>10/30/2024</a:t>
             </a:fld>
             <a:endParaRPr lang="en-US"/>
           </a:p>
@@ -3733,7 +3734,7 @@
           <p:cNvPr id="5" name="Footer Placeholder 4">
             <a:extLst>
               <a:ext uri="{FF2B5EF4-FFF2-40B4-BE49-F238E27FC236}">
-                <a16:creationId xmlns:a16="http://schemas.microsoft.com/office/drawing/2014/main" xmlns="" id="{F8AD8ECD-8EE4-DE41-8FFF-8830B5D20348}"/>
+                <a16:creationId xmlns="" xmlns:a16="http://schemas.microsoft.com/office/drawing/2014/main" id="{F8AD8ECD-8EE4-DE41-8FFF-8830B5D20348}"/>
               </a:ext>
             </a:extLst>
           </p:cNvPr>
@@ -3776,7 +3777,7 @@
           <p:cNvPr id="6" name="Slide Number Placeholder 5">
             <a:extLst>
               <a:ext uri="{FF2B5EF4-FFF2-40B4-BE49-F238E27FC236}">
-                <a16:creationId xmlns:a16="http://schemas.microsoft.com/office/drawing/2014/main" xmlns="" id="{0DAC8B92-5CED-9747-9449-501492DBB804}"/>
+                <a16:creationId xmlns="" xmlns:a16="http://schemas.microsoft.com/office/drawing/2014/main" id="{0DAC8B92-5CED-9747-9449-501492DBB804}"/>
               </a:ext>
             </a:extLst>
           </p:cNvPr>
@@ -3822,7 +3823,7 @@
     </p:spTree>
     <p:extLst>
       <p:ext uri="{BB962C8B-B14F-4D97-AF65-F5344CB8AC3E}">
-        <p14:creationId xmlns:p14="http://schemas.microsoft.com/office/powerpoint/2010/main" xmlns="" val="3457181485"/>
+        <p14:creationId xmlns="" xmlns:p14="http://schemas.microsoft.com/office/powerpoint/2010/main" val="3457181485"/>
       </p:ext>
     </p:extLst>
   </p:cSld>
@@ -3839,7 +3840,7 @@
     <p:sldLayoutId id="2147483699" r:id="rId9"/>
   </p:sldLayoutIdLst>
   <mc:AlternateContent xmlns:mc="http://schemas.openxmlformats.org/markup-compatibility/2006">
-    <mc:Choice xmlns:p14="http://schemas.microsoft.com/office/powerpoint/2010/main" xmlns="" Requires="p14">
+    <mc:Choice xmlns="" xmlns:p14="http://schemas.microsoft.com/office/powerpoint/2010/main" Requires="p14">
       <p:transition spd="slow" p14:dur="2000" advClick="0" advTm="5000"/>
     </mc:Choice>
     <mc:Fallback>
@@ -4151,7 +4152,7 @@
           <p:cNvPr id="4" name="Title 3">
             <a:extLst>
               <a:ext uri="{FF2B5EF4-FFF2-40B4-BE49-F238E27FC236}">
-                <a16:creationId xmlns:a16="http://schemas.microsoft.com/office/drawing/2014/main" xmlns="" id="{C5E0BE0D-6E7F-CB36-BF6E-CB3FAB9AA219}"/>
+                <a16:creationId xmlns="" xmlns:a16="http://schemas.microsoft.com/office/drawing/2014/main" id="{C5E0BE0D-6E7F-CB36-BF6E-CB3FAB9AA219}"/>
               </a:ext>
             </a:extLst>
           </p:cNvPr>
@@ -4196,7 +4197,7 @@
           <p:cNvPr id="5" name="Text Placeholder 4">
             <a:extLst>
               <a:ext uri="{FF2B5EF4-FFF2-40B4-BE49-F238E27FC236}">
-                <a16:creationId xmlns:a16="http://schemas.microsoft.com/office/drawing/2014/main" xmlns="" id="{AEF7E49F-30CC-3ECE-B466-6B2A76D17BCA}"/>
+                <a16:creationId xmlns="" xmlns:a16="http://schemas.microsoft.com/office/drawing/2014/main" id="{AEF7E49F-30CC-3ECE-B466-6B2A76D17BCA}"/>
               </a:ext>
             </a:extLst>
           </p:cNvPr>
@@ -4223,7 +4224,7 @@
     </p:spTree>
     <p:extLst>
       <p:ext uri="{BB962C8B-B14F-4D97-AF65-F5344CB8AC3E}">
-        <p14:creationId xmlns:p14="http://schemas.microsoft.com/office/powerpoint/2010/main" xmlns="" val="3323279844"/>
+        <p14:creationId xmlns="" xmlns:p14="http://schemas.microsoft.com/office/powerpoint/2010/main" val="3323279844"/>
       </p:ext>
     </p:extLst>
   </p:cSld>
@@ -4231,7 +4232,7 @@
     <a:masterClrMapping/>
   </p:clrMapOvr>
   <mc:AlternateContent xmlns:mc="http://schemas.openxmlformats.org/markup-compatibility/2006">
-    <mc:Choice xmlns:p14="http://schemas.microsoft.com/office/powerpoint/2010/main" xmlns="" Requires="p14">
+    <mc:Choice xmlns="" xmlns:p14="http://schemas.microsoft.com/office/powerpoint/2010/main" Requires="p14">
       <p:transition spd="slow" p14:dur="2000" advClick="0" advTm="5000"/>
     </mc:Choice>
     <mc:Fallback>
@@ -4263,7 +4264,7 @@
           <p:cNvPr id="4" name="Title 3">
             <a:extLst>
               <a:ext uri="{FF2B5EF4-FFF2-40B4-BE49-F238E27FC236}">
-                <a16:creationId xmlns:a16="http://schemas.microsoft.com/office/drawing/2014/main" xmlns="" id="{7DEAF21D-E8CE-AD8B-E648-301FB7DE61DF}"/>
+                <a16:creationId xmlns="" xmlns:a16="http://schemas.microsoft.com/office/drawing/2014/main" id="{7DEAF21D-E8CE-AD8B-E648-301FB7DE61DF}"/>
               </a:ext>
             </a:extLst>
           </p:cNvPr>
@@ -4291,7 +4292,7 @@
           <p:cNvPr id="5" name="Text Placeholder 4">
             <a:extLst>
               <a:ext uri="{FF2B5EF4-FFF2-40B4-BE49-F238E27FC236}">
-                <a16:creationId xmlns:a16="http://schemas.microsoft.com/office/drawing/2014/main" xmlns="" id="{218E70D0-E766-7711-25D8-1588E232CEC8}"/>
+                <a16:creationId xmlns="" xmlns:a16="http://schemas.microsoft.com/office/drawing/2014/main" id="{218E70D0-E766-7711-25D8-1588E232CEC8}"/>
               </a:ext>
             </a:extLst>
           </p:cNvPr>
@@ -4304,13 +4305,13 @@
         </p:nvSpPr>
         <p:spPr>
           <a:xfrm>
-            <a:off x="1286935" y="2496631"/>
-            <a:ext cx="4556024" cy="2193902"/>
+            <a:off x="931335" y="2496630"/>
+            <a:ext cx="5393266" cy="2566437"/>
           </a:xfrm>
         </p:spPr>
         <p:txBody>
           <a:bodyPr>
-            <a:normAutofit fontScale="85000" lnSpcReduction="10000"/>
+            <a:normAutofit fontScale="92500" lnSpcReduction="20000"/>
           </a:bodyPr>
           <a:lstStyle/>
           <a:p>
@@ -4391,6 +4392,22 @@
               <a:rPr lang="en-US" dirty="0" smtClean="0"/>
               <a:t> </a:t>
             </a:r>
+            <a:endParaRPr lang="en-US" dirty="0" smtClean="0"/>
+          </a:p>
+          <a:p>
+            <a:r>
+              <a:rPr lang="en-US" dirty="0" smtClean="0"/>
+              <a:t>How can we benefit from </a:t>
+            </a:r>
+            <a:r>
+              <a:rPr lang="en-US" dirty="0" err="1" smtClean="0"/>
+              <a:t>QuestDB</a:t>
+            </a:r>
+            <a:r>
+              <a:rPr lang="en-US" dirty="0" smtClean="0"/>
+              <a:t>?</a:t>
+            </a:r>
+            <a:endParaRPr lang="en-US" dirty="0" smtClean="0"/>
           </a:p>
           <a:p>
             <a:r>
@@ -4404,7 +4421,7 @@
     </p:spTree>
     <p:extLst>
       <p:ext uri="{BB962C8B-B14F-4D97-AF65-F5344CB8AC3E}">
-        <p14:creationId xmlns:p14="http://schemas.microsoft.com/office/powerpoint/2010/main" xmlns="" val="2639129120"/>
+        <p14:creationId xmlns="" xmlns:p14="http://schemas.microsoft.com/office/powerpoint/2010/main" val="2639129120"/>
       </p:ext>
     </p:extLst>
   </p:cSld>
@@ -4412,7 +4429,7 @@
     <a:masterClrMapping/>
   </p:clrMapOvr>
   <mc:AlternateContent xmlns:mc="http://schemas.openxmlformats.org/markup-compatibility/2006">
-    <mc:Choice xmlns:p14="http://schemas.microsoft.com/office/powerpoint/2010/main" xmlns="" Requires="p14">
+    <mc:Choice xmlns="" xmlns:p14="http://schemas.microsoft.com/office/powerpoint/2010/main" Requires="p14">
       <p:transition spd="slow" p14:dur="2000" advClick="0" advTm="5000"/>
     </mc:Choice>
     <mc:Fallback>
@@ -4444,7 +4461,7 @@
           <p:cNvPr id="8" name="Title 7">
             <a:extLst>
               <a:ext uri="{FF2B5EF4-FFF2-40B4-BE49-F238E27FC236}">
-                <a16:creationId xmlns:a16="http://schemas.microsoft.com/office/drawing/2014/main" xmlns="" id="{8BD644B9-9C1E-39C5-E757-82FE5465A6E9}"/>
+                <a16:creationId xmlns="" xmlns:a16="http://schemas.microsoft.com/office/drawing/2014/main" id="{8BD644B9-9C1E-39C5-E757-82FE5465A6E9}"/>
               </a:ext>
             </a:extLst>
           </p:cNvPr>
@@ -4504,7 +4521,7 @@
           <p:cNvPr id="9" name="Subtitle 2">
             <a:extLst>
               <a:ext uri="{FF2B5EF4-FFF2-40B4-BE49-F238E27FC236}">
-                <a16:creationId xmlns:a16="http://schemas.microsoft.com/office/drawing/2014/main" xmlns="" id="{8F968626-82D8-2F5F-6869-21D8AD224898}"/>
+                <a16:creationId xmlns="" xmlns:a16="http://schemas.microsoft.com/office/drawing/2014/main" id="{8F968626-82D8-2F5F-6869-21D8AD224898}"/>
               </a:ext>
             </a:extLst>
           </p:cNvPr>
@@ -4568,7 +4585,7 @@
           <p:cNvPr id="4" name="Text Placeholder 4">
             <a:extLst>
               <a:ext uri="{FF2B5EF4-FFF2-40B4-BE49-F238E27FC236}">
-                <a16:creationId xmlns:a16="http://schemas.microsoft.com/office/drawing/2014/main" xmlns="" id="{218E70D0-E766-7711-25D8-1588E232CEC8}"/>
+                <a16:creationId xmlns="" xmlns:a16="http://schemas.microsoft.com/office/drawing/2014/main" id="{218E70D0-E766-7711-25D8-1588E232CEC8}"/>
               </a:ext>
             </a:extLst>
           </p:cNvPr>
@@ -4627,7 +4644,7 @@
           <p:cNvPr id="5" name="Text Placeholder 4">
             <a:extLst>
               <a:ext uri="{FF2B5EF4-FFF2-40B4-BE49-F238E27FC236}">
-                <a16:creationId xmlns:a16="http://schemas.microsoft.com/office/drawing/2014/main" xmlns="" id="{218E70D0-E766-7711-25D8-1588E232CEC8}"/>
+                <a16:creationId xmlns="" xmlns:a16="http://schemas.microsoft.com/office/drawing/2014/main" id="{218E70D0-E766-7711-25D8-1588E232CEC8}"/>
               </a:ext>
             </a:extLst>
           </p:cNvPr>
@@ -4782,7 +4799,7 @@
     </p:spTree>
     <p:extLst>
       <p:ext uri="{BB962C8B-B14F-4D97-AF65-F5344CB8AC3E}">
-        <p14:creationId xmlns:p14="http://schemas.microsoft.com/office/powerpoint/2010/main" xmlns="" val="479653768"/>
+        <p14:creationId xmlns="" xmlns:p14="http://schemas.microsoft.com/office/powerpoint/2010/main" val="479653768"/>
       </p:ext>
     </p:extLst>
   </p:cSld>
@@ -4790,7 +4807,7 @@
     <a:masterClrMapping/>
   </p:clrMapOvr>
   <mc:AlternateContent xmlns:mc="http://schemas.openxmlformats.org/markup-compatibility/2006">
-    <mc:Choice xmlns:p14="http://schemas.microsoft.com/office/powerpoint/2010/main" xmlns="" Requires="p14">
+    <mc:Choice xmlns="" xmlns:p14="http://schemas.microsoft.com/office/powerpoint/2010/main" Requires="p14">
       <p:transition spd="slow" p14:dur="2000" advClick="0" advTm="5000"/>
     </mc:Choice>
     <mc:Fallback>
@@ -4822,7 +4839,7 @@
           <p:cNvPr id="2" name="Title 1">
             <a:extLst>
               <a:ext uri="{FF2B5EF4-FFF2-40B4-BE49-F238E27FC236}">
-                <a16:creationId xmlns:a16="http://schemas.microsoft.com/office/drawing/2014/main" xmlns="" id="{1B418EE9-5198-ADC8-D99E-D10E479044CE}"/>
+                <a16:creationId xmlns="" xmlns:a16="http://schemas.microsoft.com/office/drawing/2014/main" id="{1B418EE9-5198-ADC8-D99E-D10E479044CE}"/>
               </a:ext>
             </a:extLst>
           </p:cNvPr>
@@ -4860,7 +4877,7 @@
           <p:cNvPr id="4" name="TextBox 3">
             <a:extLst>
               <a:ext uri="{FF2B5EF4-FFF2-40B4-BE49-F238E27FC236}">
-                <a16:creationId xmlns:a16="http://schemas.microsoft.com/office/drawing/2014/main" xmlns="" id="{221FA16E-AAC8-1A73-CCDA-27D1070D6804}"/>
+                <a16:creationId xmlns="" xmlns:a16="http://schemas.microsoft.com/office/drawing/2014/main" id="{221FA16E-AAC8-1A73-CCDA-27D1070D6804}"/>
               </a:ext>
             </a:extLst>
           </p:cNvPr>
@@ -5440,7 +5457,7 @@
     </p:spTree>
     <p:extLst>
       <p:ext uri="{BB962C8B-B14F-4D97-AF65-F5344CB8AC3E}">
-        <p14:creationId xmlns:p14="http://schemas.microsoft.com/office/powerpoint/2010/main" xmlns="" val="1960280140"/>
+        <p14:creationId xmlns="" xmlns:p14="http://schemas.microsoft.com/office/powerpoint/2010/main" val="1960280140"/>
       </p:ext>
     </p:extLst>
   </p:cSld>
@@ -5448,7 +5465,7 @@
     <a:masterClrMapping/>
   </p:clrMapOvr>
   <mc:AlternateContent xmlns:mc="http://schemas.openxmlformats.org/markup-compatibility/2006">
-    <mc:Choice xmlns:p14="http://schemas.microsoft.com/office/powerpoint/2010/main" xmlns="" Requires="p14">
+    <mc:Choice xmlns="" xmlns:p14="http://schemas.microsoft.com/office/powerpoint/2010/main" Requires="p14">
       <p:transition spd="slow" p14:dur="2000" advClick="0" advTm="5000"/>
     </mc:Choice>
     <mc:Fallback>
@@ -5480,7 +5497,7 @@
           <p:cNvPr id="2" name="Title 1">
             <a:extLst>
               <a:ext uri="{FF2B5EF4-FFF2-40B4-BE49-F238E27FC236}">
-                <a16:creationId xmlns:a16="http://schemas.microsoft.com/office/drawing/2014/main" xmlns="" id="{1B418EE9-5198-ADC8-D99E-D10E479044CE}"/>
+                <a16:creationId xmlns="" xmlns:a16="http://schemas.microsoft.com/office/drawing/2014/main" id="{1B418EE9-5198-ADC8-D99E-D10E479044CE}"/>
               </a:ext>
             </a:extLst>
           </p:cNvPr>
@@ -5524,7 +5541,7 @@
           <p:cNvPr id="4" name="TextBox 3">
             <a:extLst>
               <a:ext uri="{FF2B5EF4-FFF2-40B4-BE49-F238E27FC236}">
-                <a16:creationId xmlns:a16="http://schemas.microsoft.com/office/drawing/2014/main" xmlns="" id="{221FA16E-AAC8-1A73-CCDA-27D1070D6804}"/>
+                <a16:creationId xmlns="" xmlns:a16="http://schemas.microsoft.com/office/drawing/2014/main" id="{221FA16E-AAC8-1A73-CCDA-27D1070D6804}"/>
               </a:ext>
             </a:extLst>
           </p:cNvPr>
@@ -5629,7 +5646,7 @@
     </p:spTree>
     <p:extLst>
       <p:ext uri="{BB962C8B-B14F-4D97-AF65-F5344CB8AC3E}">
-        <p14:creationId xmlns:p14="http://schemas.microsoft.com/office/powerpoint/2010/main" xmlns="" val="1960280140"/>
+        <p14:creationId xmlns="" xmlns:p14="http://schemas.microsoft.com/office/powerpoint/2010/main" val="1960280140"/>
       </p:ext>
     </p:extLst>
   </p:cSld>
@@ -5637,7 +5654,7 @@
     <a:masterClrMapping/>
   </p:clrMapOvr>
   <mc:AlternateContent xmlns:mc="http://schemas.openxmlformats.org/markup-compatibility/2006">
-    <mc:Choice xmlns:p14="http://schemas.microsoft.com/office/powerpoint/2010/main" xmlns="" Requires="p14">
+    <mc:Choice xmlns="" xmlns:p14="http://schemas.microsoft.com/office/powerpoint/2010/main" Requires="p14">
       <p:transition spd="slow" p14:dur="2000" advClick="0" advTm="5000"/>
     </mc:Choice>
     <mc:Fallback>
@@ -5669,7 +5686,7 @@
           <p:cNvPr id="2" name="Title 1">
             <a:extLst>
               <a:ext uri="{FF2B5EF4-FFF2-40B4-BE49-F238E27FC236}">
-                <a16:creationId xmlns:a16="http://schemas.microsoft.com/office/drawing/2014/main" xmlns="" id="{1B418EE9-5198-ADC8-D99E-D10E479044CE}"/>
+                <a16:creationId xmlns="" xmlns:a16="http://schemas.microsoft.com/office/drawing/2014/main" id="{1B418EE9-5198-ADC8-D99E-D10E479044CE}"/>
               </a:ext>
             </a:extLst>
           </p:cNvPr>
@@ -5707,7 +5724,7 @@
           <p:cNvPr id="4" name="TextBox 3">
             <a:extLst>
               <a:ext uri="{FF2B5EF4-FFF2-40B4-BE49-F238E27FC236}">
-                <a16:creationId xmlns:a16="http://schemas.microsoft.com/office/drawing/2014/main" xmlns="" id="{221FA16E-AAC8-1A73-CCDA-27D1070D6804}"/>
+                <a16:creationId xmlns="" xmlns:a16="http://schemas.microsoft.com/office/drawing/2014/main" id="{221FA16E-AAC8-1A73-CCDA-27D1070D6804}"/>
               </a:ext>
             </a:extLst>
           </p:cNvPr>
@@ -6425,7 +6442,7 @@
     </p:spTree>
     <p:extLst>
       <p:ext uri="{BB962C8B-B14F-4D97-AF65-F5344CB8AC3E}">
-        <p14:creationId xmlns:p14="http://schemas.microsoft.com/office/powerpoint/2010/main" xmlns="" val="1960280140"/>
+        <p14:creationId xmlns="" xmlns:p14="http://schemas.microsoft.com/office/powerpoint/2010/main" val="1960280140"/>
       </p:ext>
     </p:extLst>
   </p:cSld>
@@ -6433,7 +6450,7 @@
     <a:masterClrMapping/>
   </p:clrMapOvr>
   <mc:AlternateContent xmlns:mc="http://schemas.openxmlformats.org/markup-compatibility/2006">
-    <mc:Choice xmlns:p14="http://schemas.microsoft.com/office/powerpoint/2010/main" xmlns="" Requires="p14">
+    <mc:Choice xmlns="" xmlns:p14="http://schemas.microsoft.com/office/powerpoint/2010/main" Requires="p14">
       <p:transition spd="slow" p14:dur="2000" advClick="0" advTm="5000"/>
     </mc:Choice>
     <mc:Fallback>
@@ -6465,7 +6482,7 @@
           <p:cNvPr id="2" name="Title 1">
             <a:extLst>
               <a:ext uri="{FF2B5EF4-FFF2-40B4-BE49-F238E27FC236}">
-                <a16:creationId xmlns:a16="http://schemas.microsoft.com/office/drawing/2014/main" xmlns="" id="{1B418EE9-5198-ADC8-D99E-D10E479044CE}"/>
+                <a16:creationId xmlns="" xmlns:a16="http://schemas.microsoft.com/office/drawing/2014/main" id="{1B418EE9-5198-ADC8-D99E-D10E479044CE}"/>
               </a:ext>
             </a:extLst>
           </p:cNvPr>
@@ -6522,7 +6539,7 @@
           <p:cNvPr id="4" name="TextBox 3">
             <a:extLst>
               <a:ext uri="{FF2B5EF4-FFF2-40B4-BE49-F238E27FC236}">
-                <a16:creationId xmlns:a16="http://schemas.microsoft.com/office/drawing/2014/main" xmlns="" id="{221FA16E-AAC8-1A73-CCDA-27D1070D6804}"/>
+                <a16:creationId xmlns="" xmlns:a16="http://schemas.microsoft.com/office/drawing/2014/main" id="{221FA16E-AAC8-1A73-CCDA-27D1070D6804}"/>
               </a:ext>
             </a:extLst>
           </p:cNvPr>
@@ -6778,7 +6795,7 @@
     </p:spTree>
     <p:extLst>
       <p:ext uri="{BB962C8B-B14F-4D97-AF65-F5344CB8AC3E}">
-        <p14:creationId xmlns:p14="http://schemas.microsoft.com/office/powerpoint/2010/main" xmlns="" val="1960280140"/>
+        <p14:creationId xmlns="" xmlns:p14="http://schemas.microsoft.com/office/powerpoint/2010/main" val="1960280140"/>
       </p:ext>
     </p:extLst>
   </p:cSld>
@@ -6786,7 +6803,7 @@
     <a:masterClrMapping/>
   </p:clrMapOvr>
   <mc:AlternateContent xmlns:mc="http://schemas.openxmlformats.org/markup-compatibility/2006">
-    <mc:Choice xmlns:p14="http://schemas.microsoft.com/office/powerpoint/2010/main" xmlns="" Requires="p14">
+    <mc:Choice xmlns="" xmlns:p14="http://schemas.microsoft.com/office/powerpoint/2010/main" Requires="p14">
       <p:transition spd="slow" p14:dur="2000" advClick="0" advTm="5000"/>
     </mc:Choice>
     <mc:Fallback>
@@ -6815,10 +6832,345 @@
       </p:grpSpPr>
       <p:sp>
         <p:nvSpPr>
+          <p:cNvPr id="2" name="Title 1">
+            <a:extLst>
+              <a:ext uri="{FF2B5EF4-FFF2-40B4-BE49-F238E27FC236}">
+                <a16:creationId xmlns="" xmlns:a16="http://schemas.microsoft.com/office/drawing/2014/main" id="{1B418EE9-5198-ADC8-D99E-D10E479044CE}"/>
+              </a:ext>
+            </a:extLst>
+          </p:cNvPr>
+          <p:cNvSpPr>
+            <a:spLocks noGrp="1"/>
+          </p:cNvSpPr>
+          <p:nvPr>
+            <p:ph type="title"/>
+          </p:nvPr>
+        </p:nvSpPr>
+        <p:spPr>
+          <a:xfrm>
+            <a:off x="487456" y="380608"/>
+            <a:ext cx="11267471" cy="675251"/>
+          </a:xfrm>
+        </p:spPr>
+        <p:txBody>
+          <a:bodyPr/>
+          <a:lstStyle/>
+          <a:p>
+            <a:r>
+              <a:rPr lang="en-US" sz="3200" dirty="0" smtClean="0"/>
+              <a:t>How can we benefit from </a:t>
+            </a:r>
+            <a:r>
+              <a:rPr lang="en-US" sz="3200" dirty="0" err="1" smtClean="0"/>
+              <a:t>QuestDB</a:t>
+            </a:r>
+            <a:r>
+              <a:rPr lang="en-US" sz="3200" dirty="0" smtClean="0"/>
+              <a:t>?</a:t>
+            </a:r>
+            <a:endParaRPr lang="en-US" sz="3200" dirty="0" smtClean="0"/>
+          </a:p>
+        </p:txBody>
+      </p:sp>
+      <p:sp>
+        <p:nvSpPr>
+          <p:cNvPr id="4" name="TextBox 3">
+            <a:extLst>
+              <a:ext uri="{FF2B5EF4-FFF2-40B4-BE49-F238E27FC236}">
+                <a16:creationId xmlns="" xmlns:a16="http://schemas.microsoft.com/office/drawing/2014/main" id="{221FA16E-AAC8-1A73-CCDA-27D1070D6804}"/>
+              </a:ext>
+            </a:extLst>
+          </p:cNvPr>
+          <p:cNvSpPr txBox="1"/>
+          <p:nvPr/>
+        </p:nvSpPr>
+        <p:spPr>
+          <a:xfrm>
+            <a:off x="9958274" y="6338973"/>
+            <a:ext cx="1881605" cy="369332"/>
+          </a:xfrm>
+          <a:prstGeom prst="rect">
+            <a:avLst/>
+          </a:prstGeom>
+          <a:noFill/>
+        </p:spPr>
+        <p:txBody>
+          <a:bodyPr wrap="none" rtlCol="0">
+            <a:spAutoFit/>
+          </a:bodyPr>
+          <a:lstStyle/>
+          <a:p>
+            <a:r>
+              <a:rPr lang="en-US" i="1" dirty="0">
+                <a:solidFill>
+                  <a:schemeClr val="tx1">
+                    <a:lumMod val="50000"/>
+                  </a:schemeClr>
+                </a:solidFill>
+              </a:rPr>
+              <a:t>Mesa Confidential</a:t>
+            </a:r>
+          </a:p>
+        </p:txBody>
+      </p:sp>
+      <p:graphicFrame>
+        <p:nvGraphicFramePr>
+          <p:cNvPr id="5" name="Table 4"/>
+          <p:cNvGraphicFramePr>
+            <a:graphicFrameLocks noGrp="1"/>
+          </p:cNvGraphicFramePr>
+          <p:nvPr/>
+        </p:nvGraphicFramePr>
+        <p:xfrm>
+          <a:off x="855133" y="1185332"/>
+          <a:ext cx="9914467" cy="3716868"/>
+        </p:xfrm>
+        <a:graphic>
+          <a:graphicData uri="http://schemas.openxmlformats.org/drawingml/2006/table">
+            <a:tbl>
+              <a:tblPr firstRow="1" bandRow="1">
+                <a:tableStyleId>{5C22544A-7EE6-4342-B048-85BDC9FD1C3A}</a:tableStyleId>
+              </a:tblPr>
+              <a:tblGrid>
+                <a:gridCol w="9914467"/>
+              </a:tblGrid>
+              <a:tr h="460664">
+                <a:tc>
+                  <a:txBody>
+                    <a:bodyPr/>
+                    <a:lstStyle/>
+                    <a:p>
+                      <a:pPr algn="ctr"/>
+                      <a:r>
+                        <a:rPr lang="en-US" dirty="0" err="1" smtClean="0"/>
+                        <a:t>QuestDB</a:t>
+                      </a:r>
+                      <a:r>
+                        <a:rPr lang="en-US" dirty="0" smtClean="0"/>
+                        <a:t> Benefits</a:t>
+                      </a:r>
+                      <a:endParaRPr lang="en-US" dirty="0"/>
+                    </a:p>
+                  </a:txBody>
+                  <a:tcPr/>
+                </a:tc>
+              </a:tr>
+              <a:tr h="1173748">
+                <a:tc>
+                  <a:txBody>
+                    <a:bodyPr/>
+                    <a:lstStyle/>
+                    <a:p>
+                      <a:r>
+                        <a:rPr lang="en-US" sz="1400" dirty="0" smtClean="0">
+                          <a:solidFill>
+                            <a:srgbClr val="000000"/>
+                          </a:solidFill>
+                        </a:rPr>
+                        <a:t>Our CM system primarily processes time-based data in real time. </a:t>
+                      </a:r>
+                      <a:r>
+                        <a:rPr lang="en-US" sz="1400" dirty="0" err="1" smtClean="0">
+                          <a:solidFill>
+                            <a:srgbClr val="000000"/>
+                          </a:solidFill>
+                        </a:rPr>
+                        <a:t>QuestDB</a:t>
+                      </a:r>
+                      <a:r>
+                        <a:rPr lang="en-US" sz="1400" dirty="0" smtClean="0">
+                          <a:solidFill>
+                            <a:srgbClr val="000000"/>
+                          </a:solidFill>
+                        </a:rPr>
+                        <a:t>, as a time-series database, is optimized for high-speed ingestion, query performance, and time-series indexing. This capability can significantly enhance our current CM system, particularly when generating long-term sensor reports, such as annual reports requested by our major client, CSL. Currently, our VPC system is limited to generating reports for only three months.</a:t>
+                      </a:r>
+                      <a:endParaRPr lang="en-US" sz="1400" dirty="0">
+                        <a:solidFill>
+                          <a:srgbClr val="000000"/>
+                        </a:solidFill>
+                      </a:endParaRPr>
+                    </a:p>
+                  </a:txBody>
+                  <a:tcPr/>
+                </a:tc>
+              </a:tr>
+              <a:tr h="1173748">
+                <a:tc>
+                  <a:txBody>
+                    <a:bodyPr/>
+                    <a:lstStyle/>
+                    <a:p>
+                      <a:r>
+                        <a:rPr lang="en-US" sz="1400" dirty="0" smtClean="0">
+                          <a:solidFill>
+                            <a:srgbClr val="000000"/>
+                          </a:solidFill>
+                        </a:rPr>
+                        <a:t>Utilizing a time-series database like </a:t>
+                      </a:r>
+                      <a:r>
+                        <a:rPr lang="en-US" sz="1400" dirty="0" err="1" smtClean="0">
+                          <a:solidFill>
+                            <a:srgbClr val="000000"/>
+                          </a:solidFill>
+                        </a:rPr>
+                        <a:t>QuestDB</a:t>
+                      </a:r>
+                      <a:r>
+                        <a:rPr lang="en-US" sz="1400" dirty="0" smtClean="0">
+                          <a:solidFill>
+                            <a:srgbClr val="000000"/>
+                          </a:solidFill>
+                        </a:rPr>
+                        <a:t> has helped us understand its strengths and weaknesses. To leverage its advantages while maintaining our existing capabilities, we can upgrade our current </a:t>
+                      </a:r>
+                      <a:r>
+                        <a:rPr lang="en-US" sz="1400" dirty="0" err="1" smtClean="0">
+                          <a:solidFill>
+                            <a:srgbClr val="000000"/>
+                          </a:solidFill>
+                        </a:rPr>
+                        <a:t>PostgreSQL</a:t>
+                      </a:r>
+                      <a:r>
+                        <a:rPr lang="en-US" sz="1400" dirty="0" smtClean="0">
+                          <a:solidFill>
+                            <a:srgbClr val="000000"/>
+                          </a:solidFill>
+                        </a:rPr>
+                        <a:t> database setup to include time-series functionality by using the "</a:t>
+                      </a:r>
+                      <a:r>
+                        <a:rPr lang="en-US" sz="1400" dirty="0" err="1" smtClean="0">
+                          <a:solidFill>
+                            <a:srgbClr val="000000"/>
+                          </a:solidFill>
+                        </a:rPr>
+                        <a:t>TimescaleDB</a:t>
+                      </a:r>
+                      <a:r>
+                        <a:rPr lang="en-US" sz="1400" dirty="0" smtClean="0">
+                          <a:solidFill>
+                            <a:srgbClr val="000000"/>
+                          </a:solidFill>
+                        </a:rPr>
+                        <a:t>" extension. This approach allows us to retain all the strengths and benefits of </a:t>
+                      </a:r>
+                      <a:r>
+                        <a:rPr lang="en-US" sz="1400" dirty="0" err="1" smtClean="0">
+                          <a:solidFill>
+                            <a:srgbClr val="000000"/>
+                          </a:solidFill>
+                        </a:rPr>
+                        <a:t>PostgreSQL</a:t>
+                      </a:r>
+                      <a:r>
+                        <a:rPr lang="en-US" sz="1400" dirty="0" smtClean="0">
+                          <a:solidFill>
+                            <a:srgbClr val="000000"/>
+                          </a:solidFill>
+                        </a:rPr>
+                        <a:t>, including the geospatial features that we have previously used to track asset movement on the road.</a:t>
+                      </a:r>
+                      <a:endParaRPr lang="en-US" sz="1400" dirty="0">
+                        <a:solidFill>
+                          <a:srgbClr val="000000"/>
+                        </a:solidFill>
+                      </a:endParaRPr>
+                    </a:p>
+                  </a:txBody>
+                  <a:tcPr/>
+                </a:tc>
+              </a:tr>
+              <a:tr h="908708">
+                <a:tc>
+                  <a:txBody>
+                    <a:bodyPr/>
+                    <a:lstStyle/>
+                    <a:p>
+                      <a:r>
+                        <a:rPr lang="en-US" sz="1400" dirty="0" err="1" smtClean="0">
+                          <a:solidFill>
+                            <a:srgbClr val="000000"/>
+                          </a:solidFill>
+                        </a:rPr>
+                        <a:t>QuestDB</a:t>
+                      </a:r>
+                      <a:r>
+                        <a:rPr lang="en-US" sz="1400" dirty="0" smtClean="0">
+                          <a:solidFill>
+                            <a:srgbClr val="000000"/>
+                          </a:solidFill>
+                        </a:rPr>
+                        <a:t> includes specialized functions and optimizations for time-series data, allowing users to perform complex time-based queries efficiently, such as aggregations, window functions, and time-based joins.  These</a:t>
+                      </a:r>
+                      <a:r>
+                        <a:rPr lang="en-US" sz="1400" baseline="0" dirty="0" smtClean="0">
+                          <a:solidFill>
+                            <a:srgbClr val="000000"/>
+                          </a:solidFill>
+                        </a:rPr>
+                        <a:t> functions eliminates the complex SQL syntax for these queries and make it less verbose and concise.  </a:t>
+                      </a:r>
+                      <a:endParaRPr lang="en-US" sz="1400" dirty="0">
+                        <a:solidFill>
+                          <a:srgbClr val="000000"/>
+                        </a:solidFill>
+                      </a:endParaRPr>
+                    </a:p>
+                  </a:txBody>
+                  <a:tcPr/>
+                </a:tc>
+              </a:tr>
+            </a:tbl>
+          </a:graphicData>
+        </a:graphic>
+      </p:graphicFrame>
+    </p:spTree>
+    <p:extLst>
+      <p:ext uri="{BB962C8B-B14F-4D97-AF65-F5344CB8AC3E}">
+        <p14:creationId xmlns="" xmlns:p14="http://schemas.microsoft.com/office/powerpoint/2010/main" val="1960280140"/>
+      </p:ext>
+    </p:extLst>
+  </p:cSld>
+  <p:clrMapOvr>
+    <a:masterClrMapping/>
+  </p:clrMapOvr>
+  <mc:AlternateContent xmlns:mc="http://schemas.openxmlformats.org/markup-compatibility/2006">
+    <mc:Choice xmlns="" xmlns:p14="http://schemas.microsoft.com/office/powerpoint/2010/main" Requires="p14">
+      <p:transition spd="slow" p14:dur="2000" advClick="0" advTm="5000"/>
+    </mc:Choice>
+    <mc:Fallback>
+      <p:transition spd="slow" advClick="0" advTm="5000"/>
+    </mc:Fallback>
+  </mc:AlternateContent>
+</p:sld>
+</file>
+
+<file path=ppt/slides/slide9.xml><?xml version="1.0" encoding="utf-8"?>
+<p:sld xmlns:a="http://schemas.openxmlformats.org/drawingml/2006/main" xmlns:r="http://schemas.openxmlformats.org/officeDocument/2006/relationships" xmlns:p="http://schemas.openxmlformats.org/presentationml/2006/main">
+  <p:cSld>
+    <p:spTree>
+      <p:nvGrpSpPr>
+        <p:cNvPr id="1" name=""/>
+        <p:cNvGrpSpPr/>
+        <p:nvPr/>
+      </p:nvGrpSpPr>
+      <p:grpSpPr>
+        <a:xfrm>
+          <a:off x="0" y="0"/>
+          <a:ext cx="0" cy="0"/>
+          <a:chOff x="0" y="0"/>
+          <a:chExt cx="0" cy="0"/>
+        </a:xfrm>
+      </p:grpSpPr>
+      <p:sp>
+        <p:nvSpPr>
           <p:cNvPr id="2" name="TextBox 1">
             <a:extLst>
               <a:ext uri="{FF2B5EF4-FFF2-40B4-BE49-F238E27FC236}">
-                <a16:creationId xmlns:a16="http://schemas.microsoft.com/office/drawing/2014/main" xmlns="" id="{5E8D481B-AA70-47B2-D724-B872B2D97377}"/>
+                <a16:creationId xmlns="" xmlns:a16="http://schemas.microsoft.com/office/drawing/2014/main" id="{5E8D481B-AA70-47B2-D724-B872B2D97377}"/>
               </a:ext>
             </a:extLst>
           </p:cNvPr>
@@ -6883,7 +7235,7 @@
     </p:spTree>
     <p:extLst>
       <p:ext uri="{BB962C8B-B14F-4D97-AF65-F5344CB8AC3E}">
-        <p14:creationId xmlns:p14="http://schemas.microsoft.com/office/powerpoint/2010/main" xmlns="" val="3511436495"/>
+        <p14:creationId xmlns="" xmlns:p14="http://schemas.microsoft.com/office/powerpoint/2010/main" val="3511436495"/>
       </p:ext>
     </p:extLst>
   </p:cSld>
@@ -6891,7 +7243,7 @@
     <a:masterClrMapping/>
   </p:clrMapOvr>
   <mc:AlternateContent xmlns:mc="http://schemas.openxmlformats.org/markup-compatibility/2006">
-    <mc:Choice xmlns:p14="http://schemas.microsoft.com/office/powerpoint/2010/main" xmlns="" Requires="p14">
+    <mc:Choice xmlns="" xmlns:p14="http://schemas.microsoft.com/office/powerpoint/2010/main" Requires="p14">
       <p:transition spd="slow" p14:dur="2000" advClick="0" advTm="5000"/>
     </mc:Choice>
     <mc:Fallback>
@@ -7190,7 +7542,7 @@
   <a:extraClrSchemeLst/>
   <a:extLst>
     <a:ext uri="{05A4C25C-085E-4340-85A3-A5531E510DB2}">
-      <thm15:themeFamily xmlns:thm15="http://schemas.microsoft.com/office/thememl/2012/main" xmlns="" name="18-Brand-Standards-Corporate-Template-R01  -  Repaired" id="{7628EEB4-EE5B-45F0-B1DA-E888BA5DCC7D}" vid="{48500A91-5F3F-4738-B9EF-D77D3C06827C}"/>
+      <thm15:themeFamily xmlns="" xmlns:thm15="http://schemas.microsoft.com/office/thememl/2012/main" name="18-Brand-Standards-Corporate-Template-R01  -  Repaired" id="{7628EEB4-EE5B-45F0-B1DA-E888BA5DCC7D}" vid="{48500A91-5F3F-4738-B9EF-D77D3C06827C}"/>
     </a:ext>
   </a:extLst>
 </a:theme>
@@ -7485,7 +7837,7 @@
   <a:extraClrSchemeLst/>
   <a:extLst>
     <a:ext uri="{05A4C25C-085E-4340-85A3-A5531E510DB2}">
-      <thm15:themeFamily xmlns:thm15="http://schemas.microsoft.com/office/thememl/2012/main" xmlns="" name="Office Theme" id="{62F939B6-93AF-4DB8-9C6B-D6C7DFDC589F}" vid="{4A3C46E8-61CC-4603-A589-7422A47A8E4A}"/>
+      <thm15:themeFamily xmlns="" xmlns:thm15="http://schemas.microsoft.com/office/thememl/2012/main" name="Office Theme" id="{62F939B6-93AF-4DB8-9C6B-D6C7DFDC589F}" vid="{4A3C46E8-61CC-4603-A589-7422A47A8E4A}"/>
     </a:ext>
   </a:extLst>
 </a:theme>
@@ -7780,33 +8132,13 @@
   <a:extraClrSchemeLst/>
   <a:extLst>
     <a:ext uri="{05A4C25C-085E-4340-85A3-A5531E510DB2}">
-      <thm15:themeFamily xmlns:thm15="http://schemas.microsoft.com/office/thememl/2012/main" xmlns="" name="Office Theme" id="{62F939B6-93AF-4DB8-9C6B-D6C7DFDC589F}" vid="{4A3C46E8-61CC-4603-A589-7422A47A8E4A}"/>
+      <thm15:themeFamily xmlns="" xmlns:thm15="http://schemas.microsoft.com/office/thememl/2012/main" name="Office Theme" id="{62F939B6-93AF-4DB8-9C6B-D6C7DFDC589F}" vid="{4A3C46E8-61CC-4603-A589-7422A47A8E4A}"/>
     </a:ext>
   </a:extLst>
 </a:theme>
 </file>
 
 <file path=customXml/item1.xml><?xml version="1.0" encoding="utf-8"?>
-<?mso-contentType ?>
-<FormTemplates xmlns="http://schemas.microsoft.com/sharepoint/v3/contenttype/forms">
-  <Display>DocumentLibraryForm</Display>
-  <Edit>DocumentLibraryForm</Edit>
-  <New>DocumentLibraryForm</New>
-</FormTemplates>
-</file>
-
-<file path=customXml/item2.xml><?xml version="1.0" encoding="utf-8"?>
-<p:properties xmlns:p="http://schemas.microsoft.com/office/2006/metadata/properties" xmlns:xsi="http://www.w3.org/2001/XMLSchema-instance" xmlns:pc="http://schemas.microsoft.com/office/infopath/2007/PartnerControls">
-  <documentManagement>
-    <lcf76f155ced4ddcb4097134ff3c332f xmlns="80cd682b-b40f-411e-9891-5e2a388e0f2a">
-      <Terms xmlns="http://schemas.microsoft.com/office/infopath/2007/PartnerControls"/>
-    </lcf76f155ced4ddcb4097134ff3c332f>
-    <TaxCatchAll xmlns="0a5436c3-62bb-42e4-abd1-a0a4955fdeca" xsi:nil="true"/>
-  </documentManagement>
-</p:properties>
-</file>
-
-<file path=customXml/item3.xml><?xml version="1.0" encoding="utf-8"?>
 <ct:contentTypeSchema xmlns:ct="http://schemas.microsoft.com/office/2006/metadata/contentType" xmlns:ma="http://schemas.microsoft.com/office/2006/metadata/properties/metaAttributes" ct:_="" ma:_="" ma:contentTypeName="Document" ma:contentTypeID="0x010100E88E7F3DB7B651438BE2EE6496C5288F" ma:contentTypeVersion="15" ma:contentTypeDescription="Create a new document." ma:contentTypeScope="" ma:versionID="f84292184f4f7fbb88c788eaae096a70">
   <xsd:schema xmlns:xsd="http://www.w3.org/2001/XMLSchema" xmlns:xs="http://www.w3.org/2001/XMLSchema" xmlns:p="http://schemas.microsoft.com/office/2006/metadata/properties" xmlns:ns2="80cd682b-b40f-411e-9891-5e2a388e0f2a" xmlns:ns3="0a5436c3-62bb-42e4-abd1-a0a4955fdeca" targetNamespace="http://schemas.microsoft.com/office/2006/metadata/properties" ma:root="true" ma:fieldsID="a80ffcda42bd2f74d943b42b148c0425" ns2:_="" ns3:_="">
     <xsd:import namespace="80cd682b-b40f-411e-9891-5e2a388e0f2a"/>
@@ -8037,10 +8369,41 @@
 </ct:contentTypeSchema>
 </file>
 
+<file path=customXml/item2.xml><?xml version="1.0" encoding="utf-8"?>
+<p:properties xmlns:p="http://schemas.microsoft.com/office/2006/metadata/properties" xmlns:xsi="http://www.w3.org/2001/XMLSchema-instance" xmlns:pc="http://schemas.microsoft.com/office/infopath/2007/PartnerControls">
+  <documentManagement>
+    <lcf76f155ced4ddcb4097134ff3c332f xmlns="80cd682b-b40f-411e-9891-5e2a388e0f2a">
+      <Terms xmlns="http://schemas.microsoft.com/office/infopath/2007/PartnerControls"/>
+    </lcf76f155ced4ddcb4097134ff3c332f>
+    <TaxCatchAll xmlns="0a5436c3-62bb-42e4-abd1-a0a4955fdeca" xsi:nil="true"/>
+  </documentManagement>
+</p:properties>
+</file>
+
+<file path=customXml/item3.xml><?xml version="1.0" encoding="utf-8"?>
+<?mso-contentType ?>
+<FormTemplates xmlns="http://schemas.microsoft.com/sharepoint/v3/contenttype/forms">
+  <Display>DocumentLibraryForm</Display>
+  <Edit>DocumentLibraryForm</Edit>
+  <New>DocumentLibraryForm</New>
+</FormTemplates>
+</file>
+
 <file path=customXml/itemProps1.xml><?xml version="1.0" encoding="utf-8"?>
-<ds:datastoreItem xmlns:ds="http://schemas.openxmlformats.org/officeDocument/2006/customXml" ds:itemID="{C1BF3681-C3E5-4AF6-8050-4743C0D56164}">
+<ds:datastoreItem xmlns:ds="http://schemas.openxmlformats.org/officeDocument/2006/customXml" ds:itemID="{149D4D71-E531-43EE-8F1C-8460734920B2}">
   <ds:schemaRefs>
-    <ds:schemaRef ds:uri="http://schemas.microsoft.com/sharepoint/v3/contenttype/forms"/>
+    <ds:schemaRef ds:uri="0a5436c3-62bb-42e4-abd1-a0a4955fdeca"/>
+    <ds:schemaRef ds:uri="80cd682b-b40f-411e-9891-5e2a388e0f2a"/>
+    <ds:schemaRef ds:uri="http://purl.org/dc/elements/1.1/"/>
+    <ds:schemaRef ds:uri="http://purl.org/dc/terms/"/>
+    <ds:schemaRef ds:uri="http://schemas.microsoft.com/internal/obd"/>
+    <ds:schemaRef ds:uri="http://schemas.microsoft.com/office/2006/documentManagement/types"/>
+    <ds:schemaRef ds:uri="http://schemas.microsoft.com/office/2006/metadata/contentType"/>
+    <ds:schemaRef ds:uri="http://schemas.microsoft.com/office/2006/metadata/properties"/>
+    <ds:schemaRef ds:uri="http://schemas.microsoft.com/office/2006/metadata/properties/metaAttributes"/>
+    <ds:schemaRef ds:uri="http://schemas.microsoft.com/office/infopath/2007/PartnerControls"/>
+    <ds:schemaRef ds:uri="http://schemas.openxmlformats.org/package/2006/metadata/core-properties"/>
+    <ds:schemaRef ds:uri="http://www.w3.org/2001/XMLSchema"/>
   </ds:schemaRefs>
 </ds:datastoreItem>
 </file>
@@ -8063,20 +8426,9 @@
 </file>
 
 <file path=customXml/itemProps3.xml><?xml version="1.0" encoding="utf-8"?>
-<ds:datastoreItem xmlns:ds="http://schemas.openxmlformats.org/officeDocument/2006/customXml" ds:itemID="{149D4D71-E531-43EE-8F1C-8460734920B2}">
+<ds:datastoreItem xmlns:ds="http://schemas.openxmlformats.org/officeDocument/2006/customXml" ds:itemID="{C1BF3681-C3E5-4AF6-8050-4743C0D56164}">
   <ds:schemaRefs>
-    <ds:schemaRef ds:uri="0a5436c3-62bb-42e4-abd1-a0a4955fdeca"/>
-    <ds:schemaRef ds:uri="80cd682b-b40f-411e-9891-5e2a388e0f2a"/>
-    <ds:schemaRef ds:uri="http://purl.org/dc/elements/1.1/"/>
-    <ds:schemaRef ds:uri="http://purl.org/dc/terms/"/>
-    <ds:schemaRef ds:uri="http://schemas.microsoft.com/internal/obd"/>
-    <ds:schemaRef ds:uri="http://schemas.microsoft.com/office/2006/documentManagement/types"/>
-    <ds:schemaRef ds:uri="http://schemas.microsoft.com/office/2006/metadata/contentType"/>
-    <ds:schemaRef ds:uri="http://schemas.microsoft.com/office/2006/metadata/properties"/>
-    <ds:schemaRef ds:uri="http://schemas.microsoft.com/office/2006/metadata/properties/metaAttributes"/>
-    <ds:schemaRef ds:uri="http://schemas.microsoft.com/office/infopath/2007/PartnerControls"/>
-    <ds:schemaRef ds:uri="http://schemas.openxmlformats.org/package/2006/metadata/core-properties"/>
-    <ds:schemaRef ds:uri="http://www.w3.org/2001/XMLSchema"/>
+    <ds:schemaRef ds:uri="http://schemas.microsoft.com/sharepoint/v3/contenttype/forms"/>
   </ds:schemaRefs>
 </ds:datastoreItem>
 </file>
--- a/Power Point Slides/QuestDB vs PosgreSQL.pptx
+++ b/Power Point Slides/QuestDB vs PosgreSQL.pptx
@@ -120,7 +120,7 @@
   </p:defaultTextStyle>
   <p:extLst>
     <p:ext uri="{EFAFB233-063F-42B5-8137-9DF3F51BA10A}">
-      <p15:sldGuideLst xmlns="" xmlns:p15="http://schemas.microsoft.com/office/powerpoint/2012/main">
+      <p15:sldGuideLst xmlns:p15="http://schemas.microsoft.com/office/powerpoint/2012/main" xmlns="">
         <p15:guide id="1" orient="horz" pos="2160">
           <p15:clr>
             <a:srgbClr val="A4A3A4"/>
@@ -134,7 +134,7 @@
       </p15:sldGuideLst>
     </p:ext>
     <p:ext uri="{2D200454-40CA-4A62-9FC3-DE9A4176ACB9}">
-      <p15:notesGuideLst xmlns="" xmlns:p15="http://schemas.microsoft.com/office/powerpoint/2012/main"/>
+      <p15:notesGuideLst xmlns:p15="http://schemas.microsoft.com/office/powerpoint/2012/main" xmlns=""/>
     </p:ext>
   </p:extLst>
 </p:presentation>
@@ -176,7 +176,7 @@
           <p:cNvPr id="2" name="Header Placeholder 1">
             <a:extLst>
               <a:ext uri="{FF2B5EF4-FFF2-40B4-BE49-F238E27FC236}">
-                <a16:creationId xmlns="" xmlns:a16="http://schemas.microsoft.com/office/drawing/2014/main" id="{273365B8-2511-D040-9EAC-EAD5E1AB0259}"/>
+                <a16:creationId xmlns:a16="http://schemas.microsoft.com/office/drawing/2014/main" xmlns="" id="{273365B8-2511-D040-9EAC-EAD5E1AB0259}"/>
               </a:ext>
             </a:extLst>
           </p:cNvPr>
@@ -213,7 +213,7 @@
           <p:cNvPr id="3" name="Date Placeholder 2">
             <a:extLst>
               <a:ext uri="{FF2B5EF4-FFF2-40B4-BE49-F238E27FC236}">
-                <a16:creationId xmlns="" xmlns:a16="http://schemas.microsoft.com/office/drawing/2014/main" id="{FA53D240-1E32-F546-97BB-3F81E4C94127}"/>
+                <a16:creationId xmlns:a16="http://schemas.microsoft.com/office/drawing/2014/main" xmlns="" id="{FA53D240-1E32-F546-97BB-3F81E4C94127}"/>
               </a:ext>
             </a:extLst>
           </p:cNvPr>
@@ -244,7 +244,7 @@
             <a:fld id="{5E46B522-554D-304C-B062-B3D14C953F88}" type="datetimeFigureOut">
               <a:rPr lang="en-US" smtClean="0"/>
               <a:pPr/>
-              <a:t>10/30/2024</a:t>
+              <a:t>10/31/2024</a:t>
             </a:fld>
             <a:endParaRPr lang="en-US"/>
           </a:p>
@@ -255,7 +255,7 @@
           <p:cNvPr id="4" name="Footer Placeholder 3">
             <a:extLst>
               <a:ext uri="{FF2B5EF4-FFF2-40B4-BE49-F238E27FC236}">
-                <a16:creationId xmlns="" xmlns:a16="http://schemas.microsoft.com/office/drawing/2014/main" id="{0FB1C412-F491-B74E-A609-73034009A4FE}"/>
+                <a16:creationId xmlns:a16="http://schemas.microsoft.com/office/drawing/2014/main" xmlns="" id="{0FB1C412-F491-B74E-A609-73034009A4FE}"/>
               </a:ext>
             </a:extLst>
           </p:cNvPr>
@@ -292,7 +292,7 @@
           <p:cNvPr id="5" name="Slide Number Placeholder 4">
             <a:extLst>
               <a:ext uri="{FF2B5EF4-FFF2-40B4-BE49-F238E27FC236}">
-                <a16:creationId xmlns="" xmlns:a16="http://schemas.microsoft.com/office/drawing/2014/main" id="{0B72CE36-DEB7-BF4C-A096-B6E5D881FA61}"/>
+                <a16:creationId xmlns:a16="http://schemas.microsoft.com/office/drawing/2014/main" xmlns="" id="{0B72CE36-DEB7-BF4C-A096-B6E5D881FA61}"/>
               </a:ext>
             </a:extLst>
           </p:cNvPr>
@@ -332,7 +332,7 @@
     </p:spTree>
     <p:extLst>
       <p:ext uri="{BB962C8B-B14F-4D97-AF65-F5344CB8AC3E}">
-        <p14:creationId xmlns="" xmlns:p14="http://schemas.microsoft.com/office/powerpoint/2010/main" val="2867797386"/>
+        <p14:creationId xmlns:p14="http://schemas.microsoft.com/office/powerpoint/2010/main" xmlns="" val="2867797386"/>
       </p:ext>
     </p:extLst>
   </p:cSld>
@@ -423,7 +423,7 @@
             <a:fld id="{5BA413F0-8702-4C58-A1DC-FE228FE832D3}" type="datetimeFigureOut">
               <a:rPr lang="en-US" smtClean="0"/>
               <a:pPr/>
-              <a:t>10/30/2024</a:t>
+              <a:t>10/31/2024</a:t>
             </a:fld>
             <a:endParaRPr lang="en-US"/>
           </a:p>
@@ -591,7 +591,7 @@
     </p:spTree>
     <p:extLst>
       <p:ext uri="{BB962C8B-B14F-4D97-AF65-F5344CB8AC3E}">
-        <p14:creationId xmlns="" xmlns:p14="http://schemas.microsoft.com/office/powerpoint/2010/main" val="2039652292"/>
+        <p14:creationId xmlns:p14="http://schemas.microsoft.com/office/powerpoint/2010/main" xmlns="" val="2039652292"/>
       </p:ext>
     </p:extLst>
   </p:cSld>
@@ -713,7 +713,7 @@
           <p:cNvPr id="8" name="Picture 7">
             <a:extLst>
               <a:ext uri="{FF2B5EF4-FFF2-40B4-BE49-F238E27FC236}">
-                <a16:creationId xmlns="" xmlns:a16="http://schemas.microsoft.com/office/drawing/2014/main" id="{DCB70024-7CB7-C54A-B281-8ABD3CB28A78}"/>
+                <a16:creationId xmlns:a16="http://schemas.microsoft.com/office/drawing/2014/main" xmlns="" id="{DCB70024-7CB7-C54A-B281-8ABD3CB28A78}"/>
               </a:ext>
             </a:extLst>
           </p:cNvPr>
@@ -743,7 +743,7 @@
           <p:cNvPr id="2" name="Title 1">
             <a:extLst>
               <a:ext uri="{FF2B5EF4-FFF2-40B4-BE49-F238E27FC236}">
-                <a16:creationId xmlns="" xmlns:a16="http://schemas.microsoft.com/office/drawing/2014/main" id="{31D28376-80FC-AA47-983D-5AA4ADF9D4A4}"/>
+                <a16:creationId xmlns:a16="http://schemas.microsoft.com/office/drawing/2014/main" xmlns="" id="{31D28376-80FC-AA47-983D-5AA4ADF9D4A4}"/>
               </a:ext>
             </a:extLst>
           </p:cNvPr>
@@ -786,7 +786,7 @@
           <p:cNvPr id="13" name="Text Placeholder 3">
             <a:extLst>
               <a:ext uri="{FF2B5EF4-FFF2-40B4-BE49-F238E27FC236}">
-                <a16:creationId xmlns="" xmlns:a16="http://schemas.microsoft.com/office/drawing/2014/main" id="{19FEBE34-6786-634C-97C1-F56667D4943E}"/>
+                <a16:creationId xmlns:a16="http://schemas.microsoft.com/office/drawing/2014/main" xmlns="" id="{19FEBE34-6786-634C-97C1-F56667D4943E}"/>
               </a:ext>
             </a:extLst>
           </p:cNvPr>
@@ -864,7 +864,7 @@
           <p:cNvPr id="14" name="Picture 13">
             <a:extLst>
               <a:ext uri="{FF2B5EF4-FFF2-40B4-BE49-F238E27FC236}">
-                <a16:creationId xmlns="" xmlns:a16="http://schemas.microsoft.com/office/drawing/2014/main" id="{FA18BCDF-85A9-7E46-B854-763E07701F49}"/>
+                <a16:creationId xmlns:a16="http://schemas.microsoft.com/office/drawing/2014/main" xmlns="" id="{FA18BCDF-85A9-7E46-B854-763E07701F49}"/>
               </a:ext>
             </a:extLst>
           </p:cNvPr>
@@ -892,7 +892,7 @@
     </p:spTree>
     <p:extLst>
       <p:ext uri="{BB962C8B-B14F-4D97-AF65-F5344CB8AC3E}">
-        <p14:creationId xmlns="" xmlns:p14="http://schemas.microsoft.com/office/powerpoint/2010/main" val="3242109002"/>
+        <p14:creationId xmlns:p14="http://schemas.microsoft.com/office/powerpoint/2010/main" xmlns="" val="3242109002"/>
       </p:ext>
     </p:extLst>
   </p:cSld>
@@ -900,7 +900,7 @@
     <a:masterClrMapping/>
   </p:clrMapOvr>
   <mc:AlternateContent xmlns:mc="http://schemas.openxmlformats.org/markup-compatibility/2006">
-    <mc:Choice xmlns="" xmlns:p14="http://schemas.microsoft.com/office/powerpoint/2010/main" Requires="p14">
+    <mc:Choice xmlns:p14="http://schemas.microsoft.com/office/powerpoint/2010/main" xmlns="" Requires="p14">
       <p:transition spd="slow" p14:dur="2000" advClick="0" advTm="5000"/>
     </mc:Choice>
     <mc:Fallback>
@@ -932,7 +932,7 @@
           <p:cNvPr id="3" name="Rectangle 2">
             <a:extLst>
               <a:ext uri="{FF2B5EF4-FFF2-40B4-BE49-F238E27FC236}">
-                <a16:creationId xmlns="" xmlns:a16="http://schemas.microsoft.com/office/drawing/2014/main" id="{312D6159-2173-3548-874C-452958A85DF6}"/>
+                <a16:creationId xmlns:a16="http://schemas.microsoft.com/office/drawing/2014/main" xmlns="" id="{312D6159-2173-3548-874C-452958A85DF6}"/>
               </a:ext>
             </a:extLst>
           </p:cNvPr>
@@ -992,7 +992,7 @@
           <p:cNvPr id="9" name="Picture 8">
             <a:extLst>
               <a:ext uri="{FF2B5EF4-FFF2-40B4-BE49-F238E27FC236}">
-                <a16:creationId xmlns="" xmlns:a16="http://schemas.microsoft.com/office/drawing/2014/main" id="{7D240A3C-FB87-A849-BF43-94582DC1113D}"/>
+                <a16:creationId xmlns:a16="http://schemas.microsoft.com/office/drawing/2014/main" xmlns="" id="{7D240A3C-FB87-A849-BF43-94582DC1113D}"/>
               </a:ext>
             </a:extLst>
           </p:cNvPr>
@@ -1022,7 +1022,7 @@
           <p:cNvPr id="5" name="Parallelogram 4">
             <a:extLst>
               <a:ext uri="{FF2B5EF4-FFF2-40B4-BE49-F238E27FC236}">
-                <a16:creationId xmlns="" xmlns:a16="http://schemas.microsoft.com/office/drawing/2014/main" id="{044CF2C6-1EB8-C545-A5EB-AF5DD2B28349}"/>
+                <a16:creationId xmlns:a16="http://schemas.microsoft.com/office/drawing/2014/main" xmlns="" id="{044CF2C6-1EB8-C545-A5EB-AF5DD2B28349}"/>
               </a:ext>
             </a:extLst>
           </p:cNvPr>
@@ -1078,7 +1078,7 @@
           <p:cNvPr id="11" name="Parallelogram 10">
             <a:extLst>
               <a:ext uri="{FF2B5EF4-FFF2-40B4-BE49-F238E27FC236}">
-                <a16:creationId xmlns="" xmlns:a16="http://schemas.microsoft.com/office/drawing/2014/main" id="{82DF6964-073F-A741-8B17-E0E690F4DF59}"/>
+                <a16:creationId xmlns:a16="http://schemas.microsoft.com/office/drawing/2014/main" xmlns="" id="{82DF6964-073F-A741-8B17-E0E690F4DF59}"/>
               </a:ext>
             </a:extLst>
           </p:cNvPr>
@@ -1134,7 +1134,7 @@
           <p:cNvPr id="12" name="Picture 11">
             <a:extLst>
               <a:ext uri="{FF2B5EF4-FFF2-40B4-BE49-F238E27FC236}">
-                <a16:creationId xmlns="" xmlns:a16="http://schemas.microsoft.com/office/drawing/2014/main" id="{5468F2ED-84BD-5740-B8E1-A6C010A50528}"/>
+                <a16:creationId xmlns:a16="http://schemas.microsoft.com/office/drawing/2014/main" xmlns="" id="{5468F2ED-84BD-5740-B8E1-A6C010A50528}"/>
               </a:ext>
             </a:extLst>
           </p:cNvPr>
@@ -1164,7 +1164,7 @@
           <p:cNvPr id="2" name="Title 1">
             <a:extLst>
               <a:ext uri="{FF2B5EF4-FFF2-40B4-BE49-F238E27FC236}">
-                <a16:creationId xmlns="" xmlns:a16="http://schemas.microsoft.com/office/drawing/2014/main" id="{31D28376-80FC-AA47-983D-5AA4ADF9D4A4}"/>
+                <a16:creationId xmlns:a16="http://schemas.microsoft.com/office/drawing/2014/main" xmlns="" id="{31D28376-80FC-AA47-983D-5AA4ADF9D4A4}"/>
               </a:ext>
             </a:extLst>
           </p:cNvPr>
@@ -1207,7 +1207,7 @@
           <p:cNvPr id="14" name="Picture 13">
             <a:extLst>
               <a:ext uri="{FF2B5EF4-FFF2-40B4-BE49-F238E27FC236}">
-                <a16:creationId xmlns="" xmlns:a16="http://schemas.microsoft.com/office/drawing/2014/main" id="{49AFA3BC-2111-0D40-8CDB-D02BC1839772}"/>
+                <a16:creationId xmlns:a16="http://schemas.microsoft.com/office/drawing/2014/main" xmlns="" id="{49AFA3BC-2111-0D40-8CDB-D02BC1839772}"/>
               </a:ext>
             </a:extLst>
           </p:cNvPr>
@@ -1237,7 +1237,7 @@
           <p:cNvPr id="10" name="Picture 9">
             <a:extLst>
               <a:ext uri="{FF2B5EF4-FFF2-40B4-BE49-F238E27FC236}">
-                <a16:creationId xmlns="" xmlns:a16="http://schemas.microsoft.com/office/drawing/2014/main" id="{3E633816-E054-8940-AF72-870913AF2214}"/>
+                <a16:creationId xmlns:a16="http://schemas.microsoft.com/office/drawing/2014/main" xmlns="" id="{3E633816-E054-8940-AF72-870913AF2214}"/>
               </a:ext>
             </a:extLst>
           </p:cNvPr>
@@ -1267,7 +1267,7 @@
           <p:cNvPr id="6" name="Parallelogram 5">
             <a:extLst>
               <a:ext uri="{FF2B5EF4-FFF2-40B4-BE49-F238E27FC236}">
-                <a16:creationId xmlns="" xmlns:a16="http://schemas.microsoft.com/office/drawing/2014/main" id="{8A924114-BABB-6746-9878-D1B4CE11052D}"/>
+                <a16:creationId xmlns:a16="http://schemas.microsoft.com/office/drawing/2014/main" xmlns="" id="{8A924114-BABB-6746-9878-D1B4CE11052D}"/>
               </a:ext>
             </a:extLst>
           </p:cNvPr>
@@ -1331,7 +1331,7 @@
           <p:cNvPr id="13" name="Text Placeholder 3">
             <a:extLst>
               <a:ext uri="{FF2B5EF4-FFF2-40B4-BE49-F238E27FC236}">
-                <a16:creationId xmlns="" xmlns:a16="http://schemas.microsoft.com/office/drawing/2014/main" id="{19FEBE34-6786-634C-97C1-F56667D4943E}"/>
+                <a16:creationId xmlns:a16="http://schemas.microsoft.com/office/drawing/2014/main" xmlns="" id="{19FEBE34-6786-634C-97C1-F56667D4943E}"/>
               </a:ext>
             </a:extLst>
           </p:cNvPr>
@@ -1407,7 +1407,7 @@
     </p:spTree>
     <p:extLst>
       <p:ext uri="{BB962C8B-B14F-4D97-AF65-F5344CB8AC3E}">
-        <p14:creationId xmlns="" xmlns:p14="http://schemas.microsoft.com/office/powerpoint/2010/main" val="1934555395"/>
+        <p14:creationId xmlns:p14="http://schemas.microsoft.com/office/powerpoint/2010/main" xmlns="" val="1934555395"/>
       </p:ext>
     </p:extLst>
   </p:cSld>
@@ -1415,7 +1415,7 @@
     <a:masterClrMapping/>
   </p:clrMapOvr>
   <mc:AlternateContent xmlns:mc="http://schemas.openxmlformats.org/markup-compatibility/2006">
-    <mc:Choice xmlns="" xmlns:p14="http://schemas.microsoft.com/office/powerpoint/2010/main" Requires="p14">
+    <mc:Choice xmlns:p14="http://schemas.microsoft.com/office/powerpoint/2010/main" xmlns="" Requires="p14">
       <p:transition spd="slow" p14:dur="2000" advClick="0" advTm="5000"/>
     </mc:Choice>
     <mc:Fallback>
@@ -1447,7 +1447,7 @@
           <p:cNvPr id="7" name="Picture 6">
             <a:extLst>
               <a:ext uri="{FF2B5EF4-FFF2-40B4-BE49-F238E27FC236}">
-                <a16:creationId xmlns="" xmlns:a16="http://schemas.microsoft.com/office/drawing/2014/main" id="{BCA450C1-58BE-6E4E-9CBF-0FB691FD755E}"/>
+                <a16:creationId xmlns:a16="http://schemas.microsoft.com/office/drawing/2014/main" xmlns="" id="{BCA450C1-58BE-6E4E-9CBF-0FB691FD755E}"/>
               </a:ext>
             </a:extLst>
           </p:cNvPr>
@@ -1477,7 +1477,7 @@
           <p:cNvPr id="14" name="Picture 13">
             <a:extLst>
               <a:ext uri="{FF2B5EF4-FFF2-40B4-BE49-F238E27FC236}">
-                <a16:creationId xmlns="" xmlns:a16="http://schemas.microsoft.com/office/drawing/2014/main" id="{0CFBEA58-BD22-D24F-B512-8BA514AB9008}"/>
+                <a16:creationId xmlns:a16="http://schemas.microsoft.com/office/drawing/2014/main" xmlns="" id="{0CFBEA58-BD22-D24F-B512-8BA514AB9008}"/>
               </a:ext>
             </a:extLst>
           </p:cNvPr>
@@ -1507,7 +1507,7 @@
           <p:cNvPr id="2" name="Title 1">
             <a:extLst>
               <a:ext uri="{FF2B5EF4-FFF2-40B4-BE49-F238E27FC236}">
-                <a16:creationId xmlns="" xmlns:a16="http://schemas.microsoft.com/office/drawing/2014/main" id="{31D28376-80FC-AA47-983D-5AA4ADF9D4A4}"/>
+                <a16:creationId xmlns:a16="http://schemas.microsoft.com/office/drawing/2014/main" xmlns="" id="{31D28376-80FC-AA47-983D-5AA4ADF9D4A4}"/>
               </a:ext>
             </a:extLst>
           </p:cNvPr>
@@ -1548,7 +1548,7 @@
           <p:cNvPr id="13" name="Text Placeholder 3">
             <a:extLst>
               <a:ext uri="{FF2B5EF4-FFF2-40B4-BE49-F238E27FC236}">
-                <a16:creationId xmlns="" xmlns:a16="http://schemas.microsoft.com/office/drawing/2014/main" id="{19FEBE34-6786-634C-97C1-F56667D4943E}"/>
+                <a16:creationId xmlns:a16="http://schemas.microsoft.com/office/drawing/2014/main" xmlns="" id="{19FEBE34-6786-634C-97C1-F56667D4943E}"/>
               </a:ext>
             </a:extLst>
           </p:cNvPr>
@@ -1626,7 +1626,7 @@
     </p:spTree>
     <p:extLst>
       <p:ext uri="{BB962C8B-B14F-4D97-AF65-F5344CB8AC3E}">
-        <p14:creationId xmlns="" xmlns:p14="http://schemas.microsoft.com/office/powerpoint/2010/main" val="3633923498"/>
+        <p14:creationId xmlns:p14="http://schemas.microsoft.com/office/powerpoint/2010/main" xmlns="" val="3633923498"/>
       </p:ext>
     </p:extLst>
   </p:cSld>
@@ -1634,7 +1634,7 @@
     <a:masterClrMapping/>
   </p:clrMapOvr>
   <mc:AlternateContent xmlns:mc="http://schemas.openxmlformats.org/markup-compatibility/2006">
-    <mc:Choice xmlns="" xmlns:p14="http://schemas.microsoft.com/office/powerpoint/2010/main" Requires="p14">
+    <mc:Choice xmlns:p14="http://schemas.microsoft.com/office/powerpoint/2010/main" xmlns="" Requires="p14">
       <p:transition spd="slow" p14:dur="2000" advClick="0" advTm="5000"/>
     </mc:Choice>
     <mc:Fallback>
@@ -1666,7 +1666,7 @@
           <p:cNvPr id="4" name="Picture 3">
             <a:extLst>
               <a:ext uri="{FF2B5EF4-FFF2-40B4-BE49-F238E27FC236}">
-                <a16:creationId xmlns="" xmlns:a16="http://schemas.microsoft.com/office/drawing/2014/main" id="{7216A11E-EB76-6A4D-AE29-9332E8815DF5}"/>
+                <a16:creationId xmlns:a16="http://schemas.microsoft.com/office/drawing/2014/main" xmlns="" id="{7216A11E-EB76-6A4D-AE29-9332E8815DF5}"/>
               </a:ext>
             </a:extLst>
           </p:cNvPr>
@@ -1696,7 +1696,7 @@
           <p:cNvPr id="14" name="Picture 13">
             <a:extLst>
               <a:ext uri="{FF2B5EF4-FFF2-40B4-BE49-F238E27FC236}">
-                <a16:creationId xmlns="" xmlns:a16="http://schemas.microsoft.com/office/drawing/2014/main" id="{05601A25-21DD-1E4D-AFB7-71CAFF449160}"/>
+                <a16:creationId xmlns:a16="http://schemas.microsoft.com/office/drawing/2014/main" xmlns="" id="{05601A25-21DD-1E4D-AFB7-71CAFF449160}"/>
               </a:ext>
             </a:extLst>
           </p:cNvPr>
@@ -1726,7 +1726,7 @@
           <p:cNvPr id="5" name="Slide Number Placeholder 4">
             <a:extLst>
               <a:ext uri="{FF2B5EF4-FFF2-40B4-BE49-F238E27FC236}">
-                <a16:creationId xmlns="" xmlns:a16="http://schemas.microsoft.com/office/drawing/2014/main" id="{E766DCC1-03BD-8D48-975F-E848D408E17A}"/>
+                <a16:creationId xmlns:a16="http://schemas.microsoft.com/office/drawing/2014/main" xmlns="" id="{E766DCC1-03BD-8D48-975F-E848D408E17A}"/>
               </a:ext>
             </a:extLst>
           </p:cNvPr>
@@ -1769,7 +1769,7 @@
           <p:cNvPr id="13" name="Picture 12">
             <a:extLst>
               <a:ext uri="{FF2B5EF4-FFF2-40B4-BE49-F238E27FC236}">
-                <a16:creationId xmlns="" xmlns:a16="http://schemas.microsoft.com/office/drawing/2014/main" id="{0FC8616F-1480-6F40-B21A-CC2BA2C45BED}"/>
+                <a16:creationId xmlns:a16="http://schemas.microsoft.com/office/drawing/2014/main" xmlns="" id="{0FC8616F-1480-6F40-B21A-CC2BA2C45BED}"/>
               </a:ext>
             </a:extLst>
           </p:cNvPr>
@@ -1799,7 +1799,7 @@
           <p:cNvPr id="8" name="Text Placeholder 3">
             <a:extLst>
               <a:ext uri="{FF2B5EF4-FFF2-40B4-BE49-F238E27FC236}">
-                <a16:creationId xmlns="" xmlns:a16="http://schemas.microsoft.com/office/drawing/2014/main" id="{28EA1C4D-6527-1A41-B80D-82366B12758F}"/>
+                <a16:creationId xmlns:a16="http://schemas.microsoft.com/office/drawing/2014/main" xmlns="" id="{28EA1C4D-6527-1A41-B80D-82366B12758F}"/>
               </a:ext>
             </a:extLst>
           </p:cNvPr>
@@ -1892,7 +1892,7 @@
           <p:cNvPr id="9" name="Text Placeholder 3">
             <a:extLst>
               <a:ext uri="{FF2B5EF4-FFF2-40B4-BE49-F238E27FC236}">
-                <a16:creationId xmlns="" xmlns:a16="http://schemas.microsoft.com/office/drawing/2014/main" id="{C9953FA3-FF52-2645-8039-6B173888D710}"/>
+                <a16:creationId xmlns:a16="http://schemas.microsoft.com/office/drawing/2014/main" xmlns="" id="{C9953FA3-FF52-2645-8039-6B173888D710}"/>
               </a:ext>
             </a:extLst>
           </p:cNvPr>
@@ -1974,7 +1974,7 @@
           <p:cNvPr id="10" name="Title 1">
             <a:extLst>
               <a:ext uri="{FF2B5EF4-FFF2-40B4-BE49-F238E27FC236}">
-                <a16:creationId xmlns="" xmlns:a16="http://schemas.microsoft.com/office/drawing/2014/main" id="{4AE68015-0AAC-0C46-8F76-36477CC385DE}"/>
+                <a16:creationId xmlns:a16="http://schemas.microsoft.com/office/drawing/2014/main" xmlns="" id="{4AE68015-0AAC-0C46-8F76-36477CC385DE}"/>
               </a:ext>
             </a:extLst>
           </p:cNvPr>
@@ -2017,7 +2017,7 @@
           <p:cNvPr id="11" name="Text Placeholder 3">
             <a:extLst>
               <a:ext uri="{FF2B5EF4-FFF2-40B4-BE49-F238E27FC236}">
-                <a16:creationId xmlns="" xmlns:a16="http://schemas.microsoft.com/office/drawing/2014/main" id="{169BBA5D-EECF-4043-90D1-DD6BB50A5390}"/>
+                <a16:creationId xmlns:a16="http://schemas.microsoft.com/office/drawing/2014/main" xmlns="" id="{169BBA5D-EECF-4043-90D1-DD6BB50A5390}"/>
               </a:ext>
             </a:extLst>
           </p:cNvPr>
@@ -2094,7 +2094,7 @@
     </p:spTree>
     <p:extLst>
       <p:ext uri="{BB962C8B-B14F-4D97-AF65-F5344CB8AC3E}">
-        <p14:creationId xmlns="" xmlns:p14="http://schemas.microsoft.com/office/powerpoint/2010/main" val="3416040107"/>
+        <p14:creationId xmlns:p14="http://schemas.microsoft.com/office/powerpoint/2010/main" xmlns="" val="3416040107"/>
       </p:ext>
     </p:extLst>
   </p:cSld>
@@ -2102,7 +2102,7 @@
     <a:masterClrMapping/>
   </p:clrMapOvr>
   <mc:AlternateContent xmlns:mc="http://schemas.openxmlformats.org/markup-compatibility/2006">
-    <mc:Choice xmlns="" xmlns:p14="http://schemas.microsoft.com/office/powerpoint/2010/main" Requires="p14">
+    <mc:Choice xmlns:p14="http://schemas.microsoft.com/office/powerpoint/2010/main" xmlns="" Requires="p14">
       <p:transition spd="slow" p14:dur="2000" advClick="0" advTm="5000"/>
     </mc:Choice>
     <mc:Fallback>
@@ -2134,7 +2134,7 @@
           <p:cNvPr id="7" name="Picture 6">
             <a:extLst>
               <a:ext uri="{FF2B5EF4-FFF2-40B4-BE49-F238E27FC236}">
-                <a16:creationId xmlns="" xmlns:a16="http://schemas.microsoft.com/office/drawing/2014/main" id="{A4D44DAB-CF6D-0148-B76F-DB4FDFF7BE3C}"/>
+                <a16:creationId xmlns:a16="http://schemas.microsoft.com/office/drawing/2014/main" xmlns="" id="{A4D44DAB-CF6D-0148-B76F-DB4FDFF7BE3C}"/>
               </a:ext>
             </a:extLst>
           </p:cNvPr>
@@ -2164,7 +2164,7 @@
           <p:cNvPr id="14" name="Picture 13">
             <a:extLst>
               <a:ext uri="{FF2B5EF4-FFF2-40B4-BE49-F238E27FC236}">
-                <a16:creationId xmlns="" xmlns:a16="http://schemas.microsoft.com/office/drawing/2014/main" id="{05601A25-21DD-1E4D-AFB7-71CAFF449160}"/>
+                <a16:creationId xmlns:a16="http://schemas.microsoft.com/office/drawing/2014/main" xmlns="" id="{05601A25-21DD-1E4D-AFB7-71CAFF449160}"/>
               </a:ext>
             </a:extLst>
           </p:cNvPr>
@@ -2194,7 +2194,7 @@
           <p:cNvPr id="5" name="Slide Number Placeholder 4">
             <a:extLst>
               <a:ext uri="{FF2B5EF4-FFF2-40B4-BE49-F238E27FC236}">
-                <a16:creationId xmlns="" xmlns:a16="http://schemas.microsoft.com/office/drawing/2014/main" id="{E766DCC1-03BD-8D48-975F-E848D408E17A}"/>
+                <a16:creationId xmlns:a16="http://schemas.microsoft.com/office/drawing/2014/main" xmlns="" id="{E766DCC1-03BD-8D48-975F-E848D408E17A}"/>
               </a:ext>
             </a:extLst>
           </p:cNvPr>
@@ -2237,7 +2237,7 @@
           <p:cNvPr id="13" name="Picture 12">
             <a:extLst>
               <a:ext uri="{FF2B5EF4-FFF2-40B4-BE49-F238E27FC236}">
-                <a16:creationId xmlns="" xmlns:a16="http://schemas.microsoft.com/office/drawing/2014/main" id="{0FC8616F-1480-6F40-B21A-CC2BA2C45BED}"/>
+                <a16:creationId xmlns:a16="http://schemas.microsoft.com/office/drawing/2014/main" xmlns="" id="{0FC8616F-1480-6F40-B21A-CC2BA2C45BED}"/>
               </a:ext>
             </a:extLst>
           </p:cNvPr>
@@ -2267,7 +2267,7 @@
           <p:cNvPr id="8" name="Text Placeholder 3">
             <a:extLst>
               <a:ext uri="{FF2B5EF4-FFF2-40B4-BE49-F238E27FC236}">
-                <a16:creationId xmlns="" xmlns:a16="http://schemas.microsoft.com/office/drawing/2014/main" id="{28EA1C4D-6527-1A41-B80D-82366B12758F}"/>
+                <a16:creationId xmlns:a16="http://schemas.microsoft.com/office/drawing/2014/main" xmlns="" id="{28EA1C4D-6527-1A41-B80D-82366B12758F}"/>
               </a:ext>
             </a:extLst>
           </p:cNvPr>
@@ -2360,7 +2360,7 @@
           <p:cNvPr id="10" name="Title 1">
             <a:extLst>
               <a:ext uri="{FF2B5EF4-FFF2-40B4-BE49-F238E27FC236}">
-                <a16:creationId xmlns="" xmlns:a16="http://schemas.microsoft.com/office/drawing/2014/main" id="{4AE68015-0AAC-0C46-8F76-36477CC385DE}"/>
+                <a16:creationId xmlns:a16="http://schemas.microsoft.com/office/drawing/2014/main" xmlns="" id="{4AE68015-0AAC-0C46-8F76-36477CC385DE}"/>
               </a:ext>
             </a:extLst>
           </p:cNvPr>
@@ -2403,7 +2403,7 @@
           <p:cNvPr id="11" name="Text Placeholder 3">
             <a:extLst>
               <a:ext uri="{FF2B5EF4-FFF2-40B4-BE49-F238E27FC236}">
-                <a16:creationId xmlns="" xmlns:a16="http://schemas.microsoft.com/office/drawing/2014/main" id="{169BBA5D-EECF-4043-90D1-DD6BB50A5390}"/>
+                <a16:creationId xmlns:a16="http://schemas.microsoft.com/office/drawing/2014/main" xmlns="" id="{169BBA5D-EECF-4043-90D1-DD6BB50A5390}"/>
               </a:ext>
             </a:extLst>
           </p:cNvPr>
@@ -2480,7 +2480,7 @@
     </p:spTree>
     <p:extLst>
       <p:ext uri="{BB962C8B-B14F-4D97-AF65-F5344CB8AC3E}">
-        <p14:creationId xmlns="" xmlns:p14="http://schemas.microsoft.com/office/powerpoint/2010/main" val="42572479"/>
+        <p14:creationId xmlns:p14="http://schemas.microsoft.com/office/powerpoint/2010/main" xmlns="" val="42572479"/>
       </p:ext>
     </p:extLst>
   </p:cSld>
@@ -2488,7 +2488,7 @@
     <a:masterClrMapping/>
   </p:clrMapOvr>
   <mc:AlternateContent xmlns:mc="http://schemas.openxmlformats.org/markup-compatibility/2006">
-    <mc:Choice xmlns="" xmlns:p14="http://schemas.microsoft.com/office/powerpoint/2010/main" Requires="p14">
+    <mc:Choice xmlns:p14="http://schemas.microsoft.com/office/powerpoint/2010/main" xmlns="" Requires="p14">
       <p:transition spd="slow" p14:dur="2000" advClick="0" advTm="5000"/>
     </mc:Choice>
     <mc:Fallback>
@@ -2520,7 +2520,7 @@
           <p:cNvPr id="14" name="Picture 13">
             <a:extLst>
               <a:ext uri="{FF2B5EF4-FFF2-40B4-BE49-F238E27FC236}">
-                <a16:creationId xmlns="" xmlns:a16="http://schemas.microsoft.com/office/drawing/2014/main" id="{C7A97301-F55A-4C46-8CF8-5B32F4872318}"/>
+                <a16:creationId xmlns:a16="http://schemas.microsoft.com/office/drawing/2014/main" xmlns="" id="{C7A97301-F55A-4C46-8CF8-5B32F4872318}"/>
               </a:ext>
             </a:extLst>
           </p:cNvPr>
@@ -2550,7 +2550,7 @@
           <p:cNvPr id="5" name="Slide Number Placeholder 4">
             <a:extLst>
               <a:ext uri="{FF2B5EF4-FFF2-40B4-BE49-F238E27FC236}">
-                <a16:creationId xmlns="" xmlns:a16="http://schemas.microsoft.com/office/drawing/2014/main" id="{E766DCC1-03BD-8D48-975F-E848D408E17A}"/>
+                <a16:creationId xmlns:a16="http://schemas.microsoft.com/office/drawing/2014/main" xmlns="" id="{E766DCC1-03BD-8D48-975F-E848D408E17A}"/>
               </a:ext>
             </a:extLst>
           </p:cNvPr>
@@ -2593,7 +2593,7 @@
           <p:cNvPr id="13" name="Picture 12">
             <a:extLst>
               <a:ext uri="{FF2B5EF4-FFF2-40B4-BE49-F238E27FC236}">
-                <a16:creationId xmlns="" xmlns:a16="http://schemas.microsoft.com/office/drawing/2014/main" id="{0FC8616F-1480-6F40-B21A-CC2BA2C45BED}"/>
+                <a16:creationId xmlns:a16="http://schemas.microsoft.com/office/drawing/2014/main" xmlns="" id="{0FC8616F-1480-6F40-B21A-CC2BA2C45BED}"/>
               </a:ext>
             </a:extLst>
           </p:cNvPr>
@@ -2623,7 +2623,7 @@
           <p:cNvPr id="8" name="Text Placeholder 3">
             <a:extLst>
               <a:ext uri="{FF2B5EF4-FFF2-40B4-BE49-F238E27FC236}">
-                <a16:creationId xmlns="" xmlns:a16="http://schemas.microsoft.com/office/drawing/2014/main" id="{28EA1C4D-6527-1A41-B80D-82366B12758F}"/>
+                <a16:creationId xmlns:a16="http://schemas.microsoft.com/office/drawing/2014/main" xmlns="" id="{28EA1C4D-6527-1A41-B80D-82366B12758F}"/>
               </a:ext>
             </a:extLst>
           </p:cNvPr>
@@ -2716,7 +2716,7 @@
           <p:cNvPr id="9" name="Text Placeholder 3">
             <a:extLst>
               <a:ext uri="{FF2B5EF4-FFF2-40B4-BE49-F238E27FC236}">
-                <a16:creationId xmlns="" xmlns:a16="http://schemas.microsoft.com/office/drawing/2014/main" id="{C9953FA3-FF52-2645-8039-6B173888D710}"/>
+                <a16:creationId xmlns:a16="http://schemas.microsoft.com/office/drawing/2014/main" xmlns="" id="{C9953FA3-FF52-2645-8039-6B173888D710}"/>
               </a:ext>
             </a:extLst>
           </p:cNvPr>
@@ -2798,7 +2798,7 @@
           <p:cNvPr id="10" name="Title 1">
             <a:extLst>
               <a:ext uri="{FF2B5EF4-FFF2-40B4-BE49-F238E27FC236}">
-                <a16:creationId xmlns="" xmlns:a16="http://schemas.microsoft.com/office/drawing/2014/main" id="{4AE68015-0AAC-0C46-8F76-36477CC385DE}"/>
+                <a16:creationId xmlns:a16="http://schemas.microsoft.com/office/drawing/2014/main" xmlns="" id="{4AE68015-0AAC-0C46-8F76-36477CC385DE}"/>
               </a:ext>
             </a:extLst>
           </p:cNvPr>
@@ -2841,7 +2841,7 @@
           <p:cNvPr id="11" name="Text Placeholder 3">
             <a:extLst>
               <a:ext uri="{FF2B5EF4-FFF2-40B4-BE49-F238E27FC236}">
-                <a16:creationId xmlns="" xmlns:a16="http://schemas.microsoft.com/office/drawing/2014/main" id="{169BBA5D-EECF-4043-90D1-DD6BB50A5390}"/>
+                <a16:creationId xmlns:a16="http://schemas.microsoft.com/office/drawing/2014/main" xmlns="" id="{169BBA5D-EECF-4043-90D1-DD6BB50A5390}"/>
               </a:ext>
             </a:extLst>
           </p:cNvPr>
@@ -2918,7 +2918,7 @@
     </p:spTree>
     <p:extLst>
       <p:ext uri="{BB962C8B-B14F-4D97-AF65-F5344CB8AC3E}">
-        <p14:creationId xmlns="" xmlns:p14="http://schemas.microsoft.com/office/powerpoint/2010/main" val="2804536604"/>
+        <p14:creationId xmlns:p14="http://schemas.microsoft.com/office/powerpoint/2010/main" xmlns="" val="2804536604"/>
       </p:ext>
     </p:extLst>
   </p:cSld>
@@ -2926,7 +2926,7 @@
     <a:masterClrMapping/>
   </p:clrMapOvr>
   <mc:AlternateContent xmlns:mc="http://schemas.openxmlformats.org/markup-compatibility/2006">
-    <mc:Choice xmlns="" xmlns:p14="http://schemas.microsoft.com/office/powerpoint/2010/main" Requires="p14">
+    <mc:Choice xmlns:p14="http://schemas.microsoft.com/office/powerpoint/2010/main" xmlns="" Requires="p14">
       <p:transition spd="slow" p14:dur="2000" advClick="0" advTm="5000"/>
     </mc:Choice>
     <mc:Fallback>
@@ -2958,7 +2958,7 @@
           <p:cNvPr id="4" name="Picture 3">
             <a:extLst>
               <a:ext uri="{FF2B5EF4-FFF2-40B4-BE49-F238E27FC236}">
-                <a16:creationId xmlns="" xmlns:a16="http://schemas.microsoft.com/office/drawing/2014/main" id="{62DB0137-4B83-6740-9717-4074AFAED09F}"/>
+                <a16:creationId xmlns:a16="http://schemas.microsoft.com/office/drawing/2014/main" xmlns="" id="{62DB0137-4B83-6740-9717-4074AFAED09F}"/>
               </a:ext>
             </a:extLst>
           </p:cNvPr>
@@ -2988,7 +2988,7 @@
           <p:cNvPr id="12" name="Slide Number Placeholder 4">
             <a:extLst>
               <a:ext uri="{FF2B5EF4-FFF2-40B4-BE49-F238E27FC236}">
-                <a16:creationId xmlns="" xmlns:a16="http://schemas.microsoft.com/office/drawing/2014/main" id="{A2C3A02E-F82F-EB4D-AA11-F0AB465E4529}"/>
+                <a16:creationId xmlns:a16="http://schemas.microsoft.com/office/drawing/2014/main" xmlns="" id="{A2C3A02E-F82F-EB4D-AA11-F0AB465E4529}"/>
               </a:ext>
             </a:extLst>
           </p:cNvPr>
@@ -3031,7 +3031,7 @@
           <p:cNvPr id="9" name="Picture 8">
             <a:extLst>
               <a:ext uri="{FF2B5EF4-FFF2-40B4-BE49-F238E27FC236}">
-                <a16:creationId xmlns="" xmlns:a16="http://schemas.microsoft.com/office/drawing/2014/main" id="{59D77EAE-7535-D344-A09B-3EC1D6BA9399}"/>
+                <a16:creationId xmlns:a16="http://schemas.microsoft.com/office/drawing/2014/main" xmlns="" id="{59D77EAE-7535-D344-A09B-3EC1D6BA9399}"/>
               </a:ext>
             </a:extLst>
           </p:cNvPr>
@@ -3061,7 +3061,7 @@
           <p:cNvPr id="13" name="Title 1">
             <a:extLst>
               <a:ext uri="{FF2B5EF4-FFF2-40B4-BE49-F238E27FC236}">
-                <a16:creationId xmlns="" xmlns:a16="http://schemas.microsoft.com/office/drawing/2014/main" id="{2258039E-D7E6-874C-986C-F6066D55B1D5}"/>
+                <a16:creationId xmlns:a16="http://schemas.microsoft.com/office/drawing/2014/main" xmlns="" id="{2258039E-D7E6-874C-986C-F6066D55B1D5}"/>
               </a:ext>
             </a:extLst>
           </p:cNvPr>
@@ -3102,7 +3102,7 @@
     </p:spTree>
     <p:extLst>
       <p:ext uri="{BB962C8B-B14F-4D97-AF65-F5344CB8AC3E}">
-        <p14:creationId xmlns="" xmlns:p14="http://schemas.microsoft.com/office/powerpoint/2010/main" val="600747958"/>
+        <p14:creationId xmlns:p14="http://schemas.microsoft.com/office/powerpoint/2010/main" xmlns="" val="600747958"/>
       </p:ext>
     </p:extLst>
   </p:cSld>
@@ -3110,7 +3110,7 @@
     <a:masterClrMapping/>
   </p:clrMapOvr>
   <mc:AlternateContent xmlns:mc="http://schemas.openxmlformats.org/markup-compatibility/2006">
-    <mc:Choice xmlns="" xmlns:p14="http://schemas.microsoft.com/office/powerpoint/2010/main" Requires="p14">
+    <mc:Choice xmlns:p14="http://schemas.microsoft.com/office/powerpoint/2010/main" xmlns="" Requires="p14">
       <p:transition spd="slow" p14:dur="2000" advClick="0" advTm="5000"/>
     </mc:Choice>
     <mc:Fallback>
@@ -3142,7 +3142,7 @@
           <p:cNvPr id="4" name="Picture 3">
             <a:extLst>
               <a:ext uri="{FF2B5EF4-FFF2-40B4-BE49-F238E27FC236}">
-                <a16:creationId xmlns="" xmlns:a16="http://schemas.microsoft.com/office/drawing/2014/main" id="{62DB0137-4B83-6740-9717-4074AFAED09F}"/>
+                <a16:creationId xmlns:a16="http://schemas.microsoft.com/office/drawing/2014/main" xmlns="" id="{62DB0137-4B83-6740-9717-4074AFAED09F}"/>
               </a:ext>
             </a:extLst>
           </p:cNvPr>
@@ -3172,7 +3172,7 @@
           <p:cNvPr id="12" name="Slide Number Placeholder 4">
             <a:extLst>
               <a:ext uri="{FF2B5EF4-FFF2-40B4-BE49-F238E27FC236}">
-                <a16:creationId xmlns="" xmlns:a16="http://schemas.microsoft.com/office/drawing/2014/main" id="{A2C3A02E-F82F-EB4D-AA11-F0AB465E4529}"/>
+                <a16:creationId xmlns:a16="http://schemas.microsoft.com/office/drawing/2014/main" xmlns="" id="{A2C3A02E-F82F-EB4D-AA11-F0AB465E4529}"/>
               </a:ext>
             </a:extLst>
           </p:cNvPr>
@@ -3215,7 +3215,7 @@
           <p:cNvPr id="9" name="Picture 8">
             <a:extLst>
               <a:ext uri="{FF2B5EF4-FFF2-40B4-BE49-F238E27FC236}">
-                <a16:creationId xmlns="" xmlns:a16="http://schemas.microsoft.com/office/drawing/2014/main" id="{59D77EAE-7535-D344-A09B-3EC1D6BA9399}"/>
+                <a16:creationId xmlns:a16="http://schemas.microsoft.com/office/drawing/2014/main" xmlns="" id="{59D77EAE-7535-D344-A09B-3EC1D6BA9399}"/>
               </a:ext>
             </a:extLst>
           </p:cNvPr>
@@ -3245,7 +3245,7 @@
           <p:cNvPr id="13" name="Title 1">
             <a:extLst>
               <a:ext uri="{FF2B5EF4-FFF2-40B4-BE49-F238E27FC236}">
-                <a16:creationId xmlns="" xmlns:a16="http://schemas.microsoft.com/office/drawing/2014/main" id="{2258039E-D7E6-874C-986C-F6066D55B1D5}"/>
+                <a16:creationId xmlns:a16="http://schemas.microsoft.com/office/drawing/2014/main" xmlns="" id="{2258039E-D7E6-874C-986C-F6066D55B1D5}"/>
               </a:ext>
             </a:extLst>
           </p:cNvPr>
@@ -3288,7 +3288,7 @@
           <p:cNvPr id="3" name="Chart Placeholder 2">
             <a:extLst>
               <a:ext uri="{FF2B5EF4-FFF2-40B4-BE49-F238E27FC236}">
-                <a16:creationId xmlns="" xmlns:a16="http://schemas.microsoft.com/office/drawing/2014/main" id="{4F5843D8-3A8D-C34A-B877-27577E457994}"/>
+                <a16:creationId xmlns:a16="http://schemas.microsoft.com/office/drawing/2014/main" xmlns="" id="{4F5843D8-3A8D-C34A-B877-27577E457994}"/>
               </a:ext>
             </a:extLst>
           </p:cNvPr>
@@ -3319,7 +3319,7 @@
     </p:spTree>
     <p:extLst>
       <p:ext uri="{BB962C8B-B14F-4D97-AF65-F5344CB8AC3E}">
-        <p14:creationId xmlns="" xmlns:p14="http://schemas.microsoft.com/office/powerpoint/2010/main" val="3926419513"/>
+        <p14:creationId xmlns:p14="http://schemas.microsoft.com/office/powerpoint/2010/main" xmlns="" val="3926419513"/>
       </p:ext>
     </p:extLst>
   </p:cSld>
@@ -3327,7 +3327,7 @@
     <a:masterClrMapping/>
   </p:clrMapOvr>
   <mc:AlternateContent xmlns:mc="http://schemas.openxmlformats.org/markup-compatibility/2006">
-    <mc:Choice xmlns="" xmlns:p14="http://schemas.microsoft.com/office/powerpoint/2010/main" Requires="p14">
+    <mc:Choice xmlns:p14="http://schemas.microsoft.com/office/powerpoint/2010/main" xmlns="" Requires="p14">
       <p:transition spd="slow" p14:dur="2000" advClick="0" advTm="5000"/>
     </mc:Choice>
     <mc:Fallback>
@@ -3359,7 +3359,7 @@
           <p:cNvPr id="4" name="Picture 3">
             <a:extLst>
               <a:ext uri="{FF2B5EF4-FFF2-40B4-BE49-F238E27FC236}">
-                <a16:creationId xmlns="" xmlns:a16="http://schemas.microsoft.com/office/drawing/2014/main" id="{62DB0137-4B83-6740-9717-4074AFAED09F}"/>
+                <a16:creationId xmlns:a16="http://schemas.microsoft.com/office/drawing/2014/main" xmlns="" id="{62DB0137-4B83-6740-9717-4074AFAED09F}"/>
               </a:ext>
             </a:extLst>
           </p:cNvPr>
@@ -3389,7 +3389,7 @@
           <p:cNvPr id="12" name="Slide Number Placeholder 4">
             <a:extLst>
               <a:ext uri="{FF2B5EF4-FFF2-40B4-BE49-F238E27FC236}">
-                <a16:creationId xmlns="" xmlns:a16="http://schemas.microsoft.com/office/drawing/2014/main" id="{A2C3A02E-F82F-EB4D-AA11-F0AB465E4529}"/>
+                <a16:creationId xmlns:a16="http://schemas.microsoft.com/office/drawing/2014/main" xmlns="" id="{A2C3A02E-F82F-EB4D-AA11-F0AB465E4529}"/>
               </a:ext>
             </a:extLst>
           </p:cNvPr>
@@ -3432,7 +3432,7 @@
           <p:cNvPr id="9" name="Picture 8">
             <a:extLst>
               <a:ext uri="{FF2B5EF4-FFF2-40B4-BE49-F238E27FC236}">
-                <a16:creationId xmlns="" xmlns:a16="http://schemas.microsoft.com/office/drawing/2014/main" id="{59D77EAE-7535-D344-A09B-3EC1D6BA9399}"/>
+                <a16:creationId xmlns:a16="http://schemas.microsoft.com/office/drawing/2014/main" xmlns="" id="{59D77EAE-7535-D344-A09B-3EC1D6BA9399}"/>
               </a:ext>
             </a:extLst>
           </p:cNvPr>
@@ -3462,7 +3462,7 @@
           <p:cNvPr id="13" name="Title 1">
             <a:extLst>
               <a:ext uri="{FF2B5EF4-FFF2-40B4-BE49-F238E27FC236}">
-                <a16:creationId xmlns="" xmlns:a16="http://schemas.microsoft.com/office/drawing/2014/main" id="{2258039E-D7E6-874C-986C-F6066D55B1D5}"/>
+                <a16:creationId xmlns:a16="http://schemas.microsoft.com/office/drawing/2014/main" xmlns="" id="{2258039E-D7E6-874C-986C-F6066D55B1D5}"/>
               </a:ext>
             </a:extLst>
           </p:cNvPr>
@@ -3505,7 +3505,7 @@
           <p:cNvPr id="5" name="Table Placeholder 4">
             <a:extLst>
               <a:ext uri="{FF2B5EF4-FFF2-40B4-BE49-F238E27FC236}">
-                <a16:creationId xmlns="" xmlns:a16="http://schemas.microsoft.com/office/drawing/2014/main" id="{7CF49F7B-6D68-A545-98FE-22FBD56818DB}"/>
+                <a16:creationId xmlns:a16="http://schemas.microsoft.com/office/drawing/2014/main" xmlns="" id="{7CF49F7B-6D68-A545-98FE-22FBD56818DB}"/>
               </a:ext>
             </a:extLst>
           </p:cNvPr>
@@ -3536,7 +3536,7 @@
     </p:spTree>
     <p:extLst>
       <p:ext uri="{BB962C8B-B14F-4D97-AF65-F5344CB8AC3E}">
-        <p14:creationId xmlns="" xmlns:p14="http://schemas.microsoft.com/office/powerpoint/2010/main" val="233726489"/>
+        <p14:creationId xmlns:p14="http://schemas.microsoft.com/office/powerpoint/2010/main" xmlns="" val="233726489"/>
       </p:ext>
     </p:extLst>
   </p:cSld>
@@ -3544,7 +3544,7 @@
     <a:masterClrMapping/>
   </p:clrMapOvr>
   <mc:AlternateContent xmlns:mc="http://schemas.openxmlformats.org/markup-compatibility/2006">
-    <mc:Choice xmlns="" xmlns:p14="http://schemas.microsoft.com/office/powerpoint/2010/main" Requires="p14">
+    <mc:Choice xmlns:p14="http://schemas.microsoft.com/office/powerpoint/2010/main" xmlns="" Requires="p14">
       <p:transition spd="slow" p14:dur="2000" advClick="0" advTm="5000"/>
     </mc:Choice>
     <mc:Fallback>
@@ -3581,7 +3581,7 @@
           <p:cNvPr id="2" name="Title Placeholder 1">
             <a:extLst>
               <a:ext uri="{FF2B5EF4-FFF2-40B4-BE49-F238E27FC236}">
-                <a16:creationId xmlns="" xmlns:a16="http://schemas.microsoft.com/office/drawing/2014/main" id="{3A821DDA-2F75-B143-93FB-2C358175036C}"/>
+                <a16:creationId xmlns:a16="http://schemas.microsoft.com/office/drawing/2014/main" xmlns="" id="{3A821DDA-2F75-B143-93FB-2C358175036C}"/>
               </a:ext>
             </a:extLst>
           </p:cNvPr>
@@ -3619,7 +3619,7 @@
           <p:cNvPr id="3" name="Text Placeholder 2">
             <a:extLst>
               <a:ext uri="{FF2B5EF4-FFF2-40B4-BE49-F238E27FC236}">
-                <a16:creationId xmlns="" xmlns:a16="http://schemas.microsoft.com/office/drawing/2014/main" id="{E024324D-5F1C-BD43-893B-DCFD6AE03280}"/>
+                <a16:creationId xmlns:a16="http://schemas.microsoft.com/office/drawing/2014/main" xmlns="" id="{E024324D-5F1C-BD43-893B-DCFD6AE03280}"/>
               </a:ext>
             </a:extLst>
           </p:cNvPr>
@@ -3686,7 +3686,7 @@
           <p:cNvPr id="4" name="Date Placeholder 3">
             <a:extLst>
               <a:ext uri="{FF2B5EF4-FFF2-40B4-BE49-F238E27FC236}">
-                <a16:creationId xmlns="" xmlns:a16="http://schemas.microsoft.com/office/drawing/2014/main" id="{D53771CD-33AE-C044-A1CC-79B8BB845347}"/>
+                <a16:creationId xmlns:a16="http://schemas.microsoft.com/office/drawing/2014/main" xmlns="" id="{D53771CD-33AE-C044-A1CC-79B8BB845347}"/>
               </a:ext>
             </a:extLst>
           </p:cNvPr>
@@ -3723,7 +3723,7 @@
             <a:fld id="{FBF4D725-7178-D948-AA3E-6F5F17353337}" type="datetimeFigureOut">
               <a:rPr lang="en-US" smtClean="0"/>
               <a:pPr/>
-              <a:t>10/30/2024</a:t>
+              <a:t>10/31/2024</a:t>
             </a:fld>
             <a:endParaRPr lang="en-US"/>
           </a:p>
@@ -3734,7 +3734,7 @@
           <p:cNvPr id="5" name="Footer Placeholder 4">
             <a:extLst>
               <a:ext uri="{FF2B5EF4-FFF2-40B4-BE49-F238E27FC236}">
-                <a16:creationId xmlns="" xmlns:a16="http://schemas.microsoft.com/office/drawing/2014/main" id="{F8AD8ECD-8EE4-DE41-8FFF-8830B5D20348}"/>
+                <a16:creationId xmlns:a16="http://schemas.microsoft.com/office/drawing/2014/main" xmlns="" id="{F8AD8ECD-8EE4-DE41-8FFF-8830B5D20348}"/>
               </a:ext>
             </a:extLst>
           </p:cNvPr>
@@ -3777,7 +3777,7 @@
           <p:cNvPr id="6" name="Slide Number Placeholder 5">
             <a:extLst>
               <a:ext uri="{FF2B5EF4-FFF2-40B4-BE49-F238E27FC236}">
-                <a16:creationId xmlns="" xmlns:a16="http://schemas.microsoft.com/office/drawing/2014/main" id="{0DAC8B92-5CED-9747-9449-501492DBB804}"/>
+                <a16:creationId xmlns:a16="http://schemas.microsoft.com/office/drawing/2014/main" xmlns="" id="{0DAC8B92-5CED-9747-9449-501492DBB804}"/>
               </a:ext>
             </a:extLst>
           </p:cNvPr>
@@ -3823,7 +3823,7 @@
     </p:spTree>
     <p:extLst>
       <p:ext uri="{BB962C8B-B14F-4D97-AF65-F5344CB8AC3E}">
-        <p14:creationId xmlns="" xmlns:p14="http://schemas.microsoft.com/office/powerpoint/2010/main" val="3457181485"/>
+        <p14:creationId xmlns:p14="http://schemas.microsoft.com/office/powerpoint/2010/main" xmlns="" val="3457181485"/>
       </p:ext>
     </p:extLst>
   </p:cSld>
@@ -3840,7 +3840,7 @@
     <p:sldLayoutId id="2147483699" r:id="rId9"/>
   </p:sldLayoutIdLst>
   <mc:AlternateContent xmlns:mc="http://schemas.openxmlformats.org/markup-compatibility/2006">
-    <mc:Choice xmlns="" xmlns:p14="http://schemas.microsoft.com/office/powerpoint/2010/main" Requires="p14">
+    <mc:Choice xmlns:p14="http://schemas.microsoft.com/office/powerpoint/2010/main" xmlns="" Requires="p14">
       <p:transition spd="slow" p14:dur="2000" advClick="0" advTm="5000"/>
     </mc:Choice>
     <mc:Fallback>
@@ -4152,7 +4152,7 @@
           <p:cNvPr id="4" name="Title 3">
             <a:extLst>
               <a:ext uri="{FF2B5EF4-FFF2-40B4-BE49-F238E27FC236}">
-                <a16:creationId xmlns="" xmlns:a16="http://schemas.microsoft.com/office/drawing/2014/main" id="{C5E0BE0D-6E7F-CB36-BF6E-CB3FAB9AA219}"/>
+                <a16:creationId xmlns:a16="http://schemas.microsoft.com/office/drawing/2014/main" xmlns="" id="{C5E0BE0D-6E7F-CB36-BF6E-CB3FAB9AA219}"/>
               </a:ext>
             </a:extLst>
           </p:cNvPr>
@@ -4197,7 +4197,7 @@
           <p:cNvPr id="5" name="Text Placeholder 4">
             <a:extLst>
               <a:ext uri="{FF2B5EF4-FFF2-40B4-BE49-F238E27FC236}">
-                <a16:creationId xmlns="" xmlns:a16="http://schemas.microsoft.com/office/drawing/2014/main" id="{AEF7E49F-30CC-3ECE-B466-6B2A76D17BCA}"/>
+                <a16:creationId xmlns:a16="http://schemas.microsoft.com/office/drawing/2014/main" xmlns="" id="{AEF7E49F-30CC-3ECE-B466-6B2A76D17BCA}"/>
               </a:ext>
             </a:extLst>
           </p:cNvPr>
@@ -4224,7 +4224,7 @@
     </p:spTree>
     <p:extLst>
       <p:ext uri="{BB962C8B-B14F-4D97-AF65-F5344CB8AC3E}">
-        <p14:creationId xmlns="" xmlns:p14="http://schemas.microsoft.com/office/powerpoint/2010/main" val="3323279844"/>
+        <p14:creationId xmlns:p14="http://schemas.microsoft.com/office/powerpoint/2010/main" xmlns="" val="3323279844"/>
       </p:ext>
     </p:extLst>
   </p:cSld>
@@ -4232,7 +4232,7 @@
     <a:masterClrMapping/>
   </p:clrMapOvr>
   <mc:AlternateContent xmlns:mc="http://schemas.openxmlformats.org/markup-compatibility/2006">
-    <mc:Choice xmlns="" xmlns:p14="http://schemas.microsoft.com/office/powerpoint/2010/main" Requires="p14">
+    <mc:Choice xmlns:p14="http://schemas.microsoft.com/office/powerpoint/2010/main" xmlns="" Requires="p14">
       <p:transition spd="slow" p14:dur="2000" advClick="0" advTm="5000"/>
     </mc:Choice>
     <mc:Fallback>
@@ -4264,7 +4264,7 @@
           <p:cNvPr id="4" name="Title 3">
             <a:extLst>
               <a:ext uri="{FF2B5EF4-FFF2-40B4-BE49-F238E27FC236}">
-                <a16:creationId xmlns="" xmlns:a16="http://schemas.microsoft.com/office/drawing/2014/main" id="{7DEAF21D-E8CE-AD8B-E648-301FB7DE61DF}"/>
+                <a16:creationId xmlns:a16="http://schemas.microsoft.com/office/drawing/2014/main" xmlns="" id="{7DEAF21D-E8CE-AD8B-E648-301FB7DE61DF}"/>
               </a:ext>
             </a:extLst>
           </p:cNvPr>
@@ -4292,7 +4292,7 @@
           <p:cNvPr id="5" name="Text Placeholder 4">
             <a:extLst>
               <a:ext uri="{FF2B5EF4-FFF2-40B4-BE49-F238E27FC236}">
-                <a16:creationId xmlns="" xmlns:a16="http://schemas.microsoft.com/office/drawing/2014/main" id="{218E70D0-E766-7711-25D8-1588E232CEC8}"/>
+                <a16:creationId xmlns:a16="http://schemas.microsoft.com/office/drawing/2014/main" xmlns="" id="{218E70D0-E766-7711-25D8-1588E232CEC8}"/>
               </a:ext>
             </a:extLst>
           </p:cNvPr>
@@ -4392,7 +4392,6 @@
               <a:rPr lang="en-US" dirty="0" smtClean="0"/>
               <a:t> </a:t>
             </a:r>
-            <a:endParaRPr lang="en-US" dirty="0" smtClean="0"/>
           </a:p>
           <a:p>
             <a:r>
@@ -4407,7 +4406,6 @@
               <a:rPr lang="en-US" dirty="0" smtClean="0"/>
               <a:t>?</a:t>
             </a:r>
-            <a:endParaRPr lang="en-US" dirty="0" smtClean="0"/>
           </a:p>
           <a:p>
             <a:r>
@@ -4421,7 +4419,7 @@
     </p:spTree>
     <p:extLst>
       <p:ext uri="{BB962C8B-B14F-4D97-AF65-F5344CB8AC3E}">
-        <p14:creationId xmlns="" xmlns:p14="http://schemas.microsoft.com/office/powerpoint/2010/main" val="2639129120"/>
+        <p14:creationId xmlns:p14="http://schemas.microsoft.com/office/powerpoint/2010/main" xmlns="" val="2639129120"/>
       </p:ext>
     </p:extLst>
   </p:cSld>
@@ -4429,7 +4427,7 @@
     <a:masterClrMapping/>
   </p:clrMapOvr>
   <mc:AlternateContent xmlns:mc="http://schemas.openxmlformats.org/markup-compatibility/2006">
-    <mc:Choice xmlns="" xmlns:p14="http://schemas.microsoft.com/office/powerpoint/2010/main" Requires="p14">
+    <mc:Choice xmlns:p14="http://schemas.microsoft.com/office/powerpoint/2010/main" xmlns="" Requires="p14">
       <p:transition spd="slow" p14:dur="2000" advClick="0" advTm="5000"/>
     </mc:Choice>
     <mc:Fallback>
@@ -4461,7 +4459,7 @@
           <p:cNvPr id="8" name="Title 7">
             <a:extLst>
               <a:ext uri="{FF2B5EF4-FFF2-40B4-BE49-F238E27FC236}">
-                <a16:creationId xmlns="" xmlns:a16="http://schemas.microsoft.com/office/drawing/2014/main" id="{8BD644B9-9C1E-39C5-E757-82FE5465A6E9}"/>
+                <a16:creationId xmlns:a16="http://schemas.microsoft.com/office/drawing/2014/main" xmlns="" id="{8BD644B9-9C1E-39C5-E757-82FE5465A6E9}"/>
               </a:ext>
             </a:extLst>
           </p:cNvPr>
@@ -4521,7 +4519,7 @@
           <p:cNvPr id="9" name="Subtitle 2">
             <a:extLst>
               <a:ext uri="{FF2B5EF4-FFF2-40B4-BE49-F238E27FC236}">
-                <a16:creationId xmlns="" xmlns:a16="http://schemas.microsoft.com/office/drawing/2014/main" id="{8F968626-82D8-2F5F-6869-21D8AD224898}"/>
+                <a16:creationId xmlns:a16="http://schemas.microsoft.com/office/drawing/2014/main" xmlns="" id="{8F968626-82D8-2F5F-6869-21D8AD224898}"/>
               </a:ext>
             </a:extLst>
           </p:cNvPr>
@@ -4585,7 +4583,7 @@
           <p:cNvPr id="4" name="Text Placeholder 4">
             <a:extLst>
               <a:ext uri="{FF2B5EF4-FFF2-40B4-BE49-F238E27FC236}">
-                <a16:creationId xmlns="" xmlns:a16="http://schemas.microsoft.com/office/drawing/2014/main" id="{218E70D0-E766-7711-25D8-1588E232CEC8}"/>
+                <a16:creationId xmlns:a16="http://schemas.microsoft.com/office/drawing/2014/main" xmlns="" id="{218E70D0-E766-7711-25D8-1588E232CEC8}"/>
               </a:ext>
             </a:extLst>
           </p:cNvPr>
@@ -4644,7 +4642,7 @@
           <p:cNvPr id="5" name="Text Placeholder 4">
             <a:extLst>
               <a:ext uri="{FF2B5EF4-FFF2-40B4-BE49-F238E27FC236}">
-                <a16:creationId xmlns="" xmlns:a16="http://schemas.microsoft.com/office/drawing/2014/main" id="{218E70D0-E766-7711-25D8-1588E232CEC8}"/>
+                <a16:creationId xmlns:a16="http://schemas.microsoft.com/office/drawing/2014/main" xmlns="" id="{218E70D0-E766-7711-25D8-1588E232CEC8}"/>
               </a:ext>
             </a:extLst>
           </p:cNvPr>
@@ -4799,7 +4797,7 @@
     </p:spTree>
     <p:extLst>
       <p:ext uri="{BB962C8B-B14F-4D97-AF65-F5344CB8AC3E}">
-        <p14:creationId xmlns="" xmlns:p14="http://schemas.microsoft.com/office/powerpoint/2010/main" val="479653768"/>
+        <p14:creationId xmlns:p14="http://schemas.microsoft.com/office/powerpoint/2010/main" xmlns="" val="479653768"/>
       </p:ext>
     </p:extLst>
   </p:cSld>
@@ -4807,7 +4805,7 @@
     <a:masterClrMapping/>
   </p:clrMapOvr>
   <mc:AlternateContent xmlns:mc="http://schemas.openxmlformats.org/markup-compatibility/2006">
-    <mc:Choice xmlns="" xmlns:p14="http://schemas.microsoft.com/office/powerpoint/2010/main" Requires="p14">
+    <mc:Choice xmlns:p14="http://schemas.microsoft.com/office/powerpoint/2010/main" xmlns="" Requires="p14">
       <p:transition spd="slow" p14:dur="2000" advClick="0" advTm="5000"/>
     </mc:Choice>
     <mc:Fallback>
@@ -4839,7 +4837,7 @@
           <p:cNvPr id="2" name="Title 1">
             <a:extLst>
               <a:ext uri="{FF2B5EF4-FFF2-40B4-BE49-F238E27FC236}">
-                <a16:creationId xmlns="" xmlns:a16="http://schemas.microsoft.com/office/drawing/2014/main" id="{1B418EE9-5198-ADC8-D99E-D10E479044CE}"/>
+                <a16:creationId xmlns:a16="http://schemas.microsoft.com/office/drawing/2014/main" xmlns="" id="{1B418EE9-5198-ADC8-D99E-D10E479044CE}"/>
               </a:ext>
             </a:extLst>
           </p:cNvPr>
@@ -4877,7 +4875,7 @@
           <p:cNvPr id="4" name="TextBox 3">
             <a:extLst>
               <a:ext uri="{FF2B5EF4-FFF2-40B4-BE49-F238E27FC236}">
-                <a16:creationId xmlns="" xmlns:a16="http://schemas.microsoft.com/office/drawing/2014/main" id="{221FA16E-AAC8-1A73-CCDA-27D1070D6804}"/>
+                <a16:creationId xmlns:a16="http://schemas.microsoft.com/office/drawing/2014/main" xmlns="" id="{221FA16E-AAC8-1A73-CCDA-27D1070D6804}"/>
               </a:ext>
             </a:extLst>
           </p:cNvPr>
@@ -5457,7 +5455,7 @@
     </p:spTree>
     <p:extLst>
       <p:ext uri="{BB962C8B-B14F-4D97-AF65-F5344CB8AC3E}">
-        <p14:creationId xmlns="" xmlns:p14="http://schemas.microsoft.com/office/powerpoint/2010/main" val="1960280140"/>
+        <p14:creationId xmlns:p14="http://schemas.microsoft.com/office/powerpoint/2010/main" xmlns="" val="1960280140"/>
       </p:ext>
     </p:extLst>
   </p:cSld>
@@ -5465,7 +5463,7 @@
     <a:masterClrMapping/>
   </p:clrMapOvr>
   <mc:AlternateContent xmlns:mc="http://schemas.openxmlformats.org/markup-compatibility/2006">
-    <mc:Choice xmlns="" xmlns:p14="http://schemas.microsoft.com/office/powerpoint/2010/main" Requires="p14">
+    <mc:Choice xmlns:p14="http://schemas.microsoft.com/office/powerpoint/2010/main" xmlns="" Requires="p14">
       <p:transition spd="slow" p14:dur="2000" advClick="0" advTm="5000"/>
     </mc:Choice>
     <mc:Fallback>
@@ -5497,7 +5495,7 @@
           <p:cNvPr id="2" name="Title 1">
             <a:extLst>
               <a:ext uri="{FF2B5EF4-FFF2-40B4-BE49-F238E27FC236}">
-                <a16:creationId xmlns="" xmlns:a16="http://schemas.microsoft.com/office/drawing/2014/main" id="{1B418EE9-5198-ADC8-D99E-D10E479044CE}"/>
+                <a16:creationId xmlns:a16="http://schemas.microsoft.com/office/drawing/2014/main" xmlns="" id="{1B418EE9-5198-ADC8-D99E-D10E479044CE}"/>
               </a:ext>
             </a:extLst>
           </p:cNvPr>
@@ -5541,7 +5539,7 @@
           <p:cNvPr id="4" name="TextBox 3">
             <a:extLst>
               <a:ext uri="{FF2B5EF4-FFF2-40B4-BE49-F238E27FC236}">
-                <a16:creationId xmlns="" xmlns:a16="http://schemas.microsoft.com/office/drawing/2014/main" id="{221FA16E-AAC8-1A73-CCDA-27D1070D6804}"/>
+                <a16:creationId xmlns:a16="http://schemas.microsoft.com/office/drawing/2014/main" xmlns="" id="{221FA16E-AAC8-1A73-CCDA-27D1070D6804}"/>
               </a:ext>
             </a:extLst>
           </p:cNvPr>
@@ -5646,7 +5644,7 @@
     </p:spTree>
     <p:extLst>
       <p:ext uri="{BB962C8B-B14F-4D97-AF65-F5344CB8AC3E}">
-        <p14:creationId xmlns="" xmlns:p14="http://schemas.microsoft.com/office/powerpoint/2010/main" val="1960280140"/>
+        <p14:creationId xmlns:p14="http://schemas.microsoft.com/office/powerpoint/2010/main" xmlns="" val="1960280140"/>
       </p:ext>
     </p:extLst>
   </p:cSld>
@@ -5654,7 +5652,7 @@
     <a:masterClrMapping/>
   </p:clrMapOvr>
   <mc:AlternateContent xmlns:mc="http://schemas.openxmlformats.org/markup-compatibility/2006">
-    <mc:Choice xmlns="" xmlns:p14="http://schemas.microsoft.com/office/powerpoint/2010/main" Requires="p14">
+    <mc:Choice xmlns:p14="http://schemas.microsoft.com/office/powerpoint/2010/main" xmlns="" Requires="p14">
       <p:transition spd="slow" p14:dur="2000" advClick="0" advTm="5000"/>
     </mc:Choice>
     <mc:Fallback>
@@ -5686,7 +5684,7 @@
           <p:cNvPr id="2" name="Title 1">
             <a:extLst>
               <a:ext uri="{FF2B5EF4-FFF2-40B4-BE49-F238E27FC236}">
-                <a16:creationId xmlns="" xmlns:a16="http://schemas.microsoft.com/office/drawing/2014/main" id="{1B418EE9-5198-ADC8-D99E-D10E479044CE}"/>
+                <a16:creationId xmlns:a16="http://schemas.microsoft.com/office/drawing/2014/main" xmlns="" id="{1B418EE9-5198-ADC8-D99E-D10E479044CE}"/>
               </a:ext>
             </a:extLst>
           </p:cNvPr>
@@ -5724,7 +5722,7 @@
           <p:cNvPr id="4" name="TextBox 3">
             <a:extLst>
               <a:ext uri="{FF2B5EF4-FFF2-40B4-BE49-F238E27FC236}">
-                <a16:creationId xmlns="" xmlns:a16="http://schemas.microsoft.com/office/drawing/2014/main" id="{221FA16E-AAC8-1A73-CCDA-27D1070D6804}"/>
+                <a16:creationId xmlns:a16="http://schemas.microsoft.com/office/drawing/2014/main" xmlns="" id="{221FA16E-AAC8-1A73-CCDA-27D1070D6804}"/>
               </a:ext>
             </a:extLst>
           </p:cNvPr>
@@ -6442,7 +6440,7 @@
     </p:spTree>
     <p:extLst>
       <p:ext uri="{BB962C8B-B14F-4D97-AF65-F5344CB8AC3E}">
-        <p14:creationId xmlns="" xmlns:p14="http://schemas.microsoft.com/office/powerpoint/2010/main" val="1960280140"/>
+        <p14:creationId xmlns:p14="http://schemas.microsoft.com/office/powerpoint/2010/main" xmlns="" val="1960280140"/>
       </p:ext>
     </p:extLst>
   </p:cSld>
@@ -6450,7 +6448,7 @@
     <a:masterClrMapping/>
   </p:clrMapOvr>
   <mc:AlternateContent xmlns:mc="http://schemas.openxmlformats.org/markup-compatibility/2006">
-    <mc:Choice xmlns="" xmlns:p14="http://schemas.microsoft.com/office/powerpoint/2010/main" Requires="p14">
+    <mc:Choice xmlns:p14="http://schemas.microsoft.com/office/powerpoint/2010/main" xmlns="" Requires="p14">
       <p:transition spd="slow" p14:dur="2000" advClick="0" advTm="5000"/>
     </mc:Choice>
     <mc:Fallback>
@@ -6482,7 +6480,7 @@
           <p:cNvPr id="2" name="Title 1">
             <a:extLst>
               <a:ext uri="{FF2B5EF4-FFF2-40B4-BE49-F238E27FC236}">
-                <a16:creationId xmlns="" xmlns:a16="http://schemas.microsoft.com/office/drawing/2014/main" id="{1B418EE9-5198-ADC8-D99E-D10E479044CE}"/>
+                <a16:creationId xmlns:a16="http://schemas.microsoft.com/office/drawing/2014/main" xmlns="" id="{1B418EE9-5198-ADC8-D99E-D10E479044CE}"/>
               </a:ext>
             </a:extLst>
           </p:cNvPr>
@@ -6539,7 +6537,7 @@
           <p:cNvPr id="4" name="TextBox 3">
             <a:extLst>
               <a:ext uri="{FF2B5EF4-FFF2-40B4-BE49-F238E27FC236}">
-                <a16:creationId xmlns="" xmlns:a16="http://schemas.microsoft.com/office/drawing/2014/main" id="{221FA16E-AAC8-1A73-CCDA-27D1070D6804}"/>
+                <a16:creationId xmlns:a16="http://schemas.microsoft.com/office/drawing/2014/main" xmlns="" id="{221FA16E-AAC8-1A73-CCDA-27D1070D6804}"/>
               </a:ext>
             </a:extLst>
           </p:cNvPr>
@@ -6795,7 +6793,7 @@
     </p:spTree>
     <p:extLst>
       <p:ext uri="{BB962C8B-B14F-4D97-AF65-F5344CB8AC3E}">
-        <p14:creationId xmlns="" xmlns:p14="http://schemas.microsoft.com/office/powerpoint/2010/main" val="1960280140"/>
+        <p14:creationId xmlns:p14="http://schemas.microsoft.com/office/powerpoint/2010/main" xmlns="" val="1960280140"/>
       </p:ext>
     </p:extLst>
   </p:cSld>
@@ -6803,7 +6801,7 @@
     <a:masterClrMapping/>
   </p:clrMapOvr>
   <mc:AlternateContent xmlns:mc="http://schemas.openxmlformats.org/markup-compatibility/2006">
-    <mc:Choice xmlns="" xmlns:p14="http://schemas.microsoft.com/office/powerpoint/2010/main" Requires="p14">
+    <mc:Choice xmlns:p14="http://schemas.microsoft.com/office/powerpoint/2010/main" xmlns="" Requires="p14">
       <p:transition spd="slow" p14:dur="2000" advClick="0" advTm="5000"/>
     </mc:Choice>
     <mc:Fallback>
@@ -6835,7 +6833,7 @@
           <p:cNvPr id="2" name="Title 1">
             <a:extLst>
               <a:ext uri="{FF2B5EF4-FFF2-40B4-BE49-F238E27FC236}">
-                <a16:creationId xmlns="" xmlns:a16="http://schemas.microsoft.com/office/drawing/2014/main" id="{1B418EE9-5198-ADC8-D99E-D10E479044CE}"/>
+                <a16:creationId xmlns:a16="http://schemas.microsoft.com/office/drawing/2014/main" xmlns="" id="{1B418EE9-5198-ADC8-D99E-D10E479044CE}"/>
               </a:ext>
             </a:extLst>
           </p:cNvPr>
@@ -6868,7 +6866,6 @@
               <a:rPr lang="en-US" sz="3200" dirty="0" smtClean="0"/>
               <a:t>?</a:t>
             </a:r>
-            <a:endParaRPr lang="en-US" sz="3200" dirty="0" smtClean="0"/>
           </a:p>
         </p:txBody>
       </p:sp>
@@ -6877,7 +6874,7 @@
           <p:cNvPr id="4" name="TextBox 3">
             <a:extLst>
               <a:ext uri="{FF2B5EF4-FFF2-40B4-BE49-F238E27FC236}">
-                <a16:creationId xmlns="" xmlns:a16="http://schemas.microsoft.com/office/drawing/2014/main" id="{221FA16E-AAC8-1A73-CCDA-27D1070D6804}"/>
+                <a16:creationId xmlns:a16="http://schemas.microsoft.com/office/drawing/2014/main" xmlns="" id="{221FA16E-AAC8-1A73-CCDA-27D1070D6804}"/>
               </a:ext>
             </a:extLst>
           </p:cNvPr>
@@ -6929,7 +6926,7 @@
           <a:graphicData uri="http://schemas.openxmlformats.org/drawingml/2006/table">
             <a:tbl>
               <a:tblPr firstRow="1" bandRow="1">
-                <a:tableStyleId>{5C22544A-7EE6-4342-B048-85BDC9FD1C3A}</a:tableStyleId>
+                <a:tableStyleId>{21E4AEA4-8DFA-4A89-87EB-49C32662AFE0}</a:tableStyleId>
               </a:tblPr>
               <a:tblGrid>
                 <a:gridCol w="9914467"/>
@@ -6962,27 +6959,15 @@
                     <a:lstStyle/>
                     <a:p>
                       <a:r>
-                        <a:rPr lang="en-US" sz="1400" dirty="0" smtClean="0">
-                          <a:solidFill>
-                            <a:srgbClr val="000000"/>
-                          </a:solidFill>
-                        </a:rPr>
+                        <a:rPr lang="en-US" sz="1400" dirty="0" smtClean="0"/>
                         <a:t>Our CM system primarily processes time-based data in real time. </a:t>
                       </a:r>
                       <a:r>
-                        <a:rPr lang="en-US" sz="1400" dirty="0" err="1" smtClean="0">
-                          <a:solidFill>
-                            <a:srgbClr val="000000"/>
-                          </a:solidFill>
-                        </a:rPr>
+                        <a:rPr lang="en-US" sz="1400" dirty="0" err="1" smtClean="0"/>
                         <a:t>QuestDB</a:t>
                       </a:r>
                       <a:r>
-                        <a:rPr lang="en-US" sz="1400" dirty="0" smtClean="0">
-                          <a:solidFill>
-                            <a:srgbClr val="000000"/>
-                          </a:solidFill>
-                        </a:rPr>
+                        <a:rPr lang="en-US" sz="1400" dirty="0" smtClean="0"/>
                         <a:t>, as a time-series database, is optimized for high-speed ingestion, query performance, and time-series indexing. This capability can significantly enhance our current CM system, particularly when generating long-term sensor reports, such as annual reports requested by our major client, CSL. Currently, our VPC system is limited to generating reports for only three months.</a:t>
                       </a:r>
                       <a:endParaRPr lang="en-US" sz="1400" dirty="0">
@@ -7002,75 +6987,39 @@
                     <a:lstStyle/>
                     <a:p>
                       <a:r>
-                        <a:rPr lang="en-US" sz="1400" dirty="0" smtClean="0">
-                          <a:solidFill>
-                            <a:srgbClr val="000000"/>
-                          </a:solidFill>
-                        </a:rPr>
+                        <a:rPr lang="en-US" sz="1400" dirty="0" smtClean="0"/>
                         <a:t>Utilizing a time-series database like </a:t>
                       </a:r>
                       <a:r>
-                        <a:rPr lang="en-US" sz="1400" dirty="0" err="1" smtClean="0">
-                          <a:solidFill>
-                            <a:srgbClr val="000000"/>
-                          </a:solidFill>
-                        </a:rPr>
+                        <a:rPr lang="en-US" sz="1400" dirty="0" err="1" smtClean="0"/>
                         <a:t>QuestDB</a:t>
                       </a:r>
                       <a:r>
-                        <a:rPr lang="en-US" sz="1400" dirty="0" smtClean="0">
-                          <a:solidFill>
-                            <a:srgbClr val="000000"/>
-                          </a:solidFill>
-                        </a:rPr>
+                        <a:rPr lang="en-US" sz="1400" dirty="0" smtClean="0"/>
                         <a:t> has helped us understand its strengths and weaknesses. To leverage its advantages while maintaining our existing capabilities, we can upgrade our current </a:t>
                       </a:r>
                       <a:r>
-                        <a:rPr lang="en-US" sz="1400" dirty="0" err="1" smtClean="0">
-                          <a:solidFill>
-                            <a:srgbClr val="000000"/>
-                          </a:solidFill>
-                        </a:rPr>
+                        <a:rPr lang="en-US" sz="1400" dirty="0" err="1" smtClean="0"/>
                         <a:t>PostgreSQL</a:t>
                       </a:r>
                       <a:r>
-                        <a:rPr lang="en-US" sz="1400" dirty="0" smtClean="0">
-                          <a:solidFill>
-                            <a:srgbClr val="000000"/>
-                          </a:solidFill>
-                        </a:rPr>
+                        <a:rPr lang="en-US" sz="1400" dirty="0" smtClean="0"/>
                         <a:t> database setup to include time-series functionality by using the "</a:t>
                       </a:r>
                       <a:r>
-                        <a:rPr lang="en-US" sz="1400" dirty="0" err="1" smtClean="0">
-                          <a:solidFill>
-                            <a:srgbClr val="000000"/>
-                          </a:solidFill>
-                        </a:rPr>
+                        <a:rPr lang="en-US" sz="1400" dirty="0" err="1" smtClean="0"/>
                         <a:t>TimescaleDB</a:t>
                       </a:r>
                       <a:r>
-                        <a:rPr lang="en-US" sz="1400" dirty="0" smtClean="0">
-                          <a:solidFill>
-                            <a:srgbClr val="000000"/>
-                          </a:solidFill>
-                        </a:rPr>
+                        <a:rPr lang="en-US" sz="1400" dirty="0" smtClean="0"/>
                         <a:t>" extension. This approach allows us to retain all the strengths and benefits of </a:t>
                       </a:r>
                       <a:r>
-                        <a:rPr lang="en-US" sz="1400" dirty="0" err="1" smtClean="0">
-                          <a:solidFill>
-                            <a:srgbClr val="000000"/>
-                          </a:solidFill>
-                        </a:rPr>
+                        <a:rPr lang="en-US" sz="1400" dirty="0" err="1" smtClean="0"/>
                         <a:t>PostgreSQL</a:t>
                       </a:r>
                       <a:r>
-                        <a:rPr lang="en-US" sz="1400" dirty="0" smtClean="0">
-                          <a:solidFill>
-                            <a:srgbClr val="000000"/>
-                          </a:solidFill>
-                        </a:rPr>
+                        <a:rPr lang="en-US" sz="1400" dirty="0" smtClean="0"/>
                         <a:t>, including the geospatial features that we have previously used to track asset movement on the road.</a:t>
                       </a:r>
                       <a:endParaRPr lang="en-US" sz="1400" dirty="0">
@@ -7090,27 +7039,15 @@
                     <a:lstStyle/>
                     <a:p>
                       <a:r>
-                        <a:rPr lang="en-US" sz="1400" dirty="0" err="1" smtClean="0">
-                          <a:solidFill>
-                            <a:srgbClr val="000000"/>
-                          </a:solidFill>
-                        </a:rPr>
+                        <a:rPr lang="en-US" sz="1400" dirty="0" err="1" smtClean="0"/>
                         <a:t>QuestDB</a:t>
                       </a:r>
                       <a:r>
-                        <a:rPr lang="en-US" sz="1400" dirty="0" smtClean="0">
-                          <a:solidFill>
-                            <a:srgbClr val="000000"/>
-                          </a:solidFill>
-                        </a:rPr>
+                        <a:rPr lang="en-US" sz="1400" dirty="0" smtClean="0"/>
                         <a:t> includes specialized functions and optimizations for time-series data, allowing users to perform complex time-based queries efficiently, such as aggregations, window functions, and time-based joins.  These</a:t>
                       </a:r>
                       <a:r>
-                        <a:rPr lang="en-US" sz="1400" baseline="0" dirty="0" smtClean="0">
-                          <a:solidFill>
-                            <a:srgbClr val="000000"/>
-                          </a:solidFill>
-                        </a:rPr>
+                        <a:rPr lang="en-US" sz="1400" baseline="0" dirty="0" smtClean="0"/>
                         <a:t> functions eliminates the complex SQL syntax for these queries and make it less verbose and concise.  </a:t>
                       </a:r>
                       <a:endParaRPr lang="en-US" sz="1400" dirty="0">
@@ -7130,7 +7067,7 @@
     </p:spTree>
     <p:extLst>
       <p:ext uri="{BB962C8B-B14F-4D97-AF65-F5344CB8AC3E}">
-        <p14:creationId xmlns="" xmlns:p14="http://schemas.microsoft.com/office/powerpoint/2010/main" val="1960280140"/>
+        <p14:creationId xmlns:p14="http://schemas.microsoft.com/office/powerpoint/2010/main" xmlns="" val="1960280140"/>
       </p:ext>
     </p:extLst>
   </p:cSld>
@@ -7138,7 +7075,7 @@
     <a:masterClrMapping/>
   </p:clrMapOvr>
   <mc:AlternateContent xmlns:mc="http://schemas.openxmlformats.org/markup-compatibility/2006">
-    <mc:Choice xmlns="" xmlns:p14="http://schemas.microsoft.com/office/powerpoint/2010/main" Requires="p14">
+    <mc:Choice xmlns:p14="http://schemas.microsoft.com/office/powerpoint/2010/main" xmlns="" Requires="p14">
       <p:transition spd="slow" p14:dur="2000" advClick="0" advTm="5000"/>
     </mc:Choice>
     <mc:Fallback>
@@ -7170,7 +7107,7 @@
           <p:cNvPr id="2" name="TextBox 1">
             <a:extLst>
               <a:ext uri="{FF2B5EF4-FFF2-40B4-BE49-F238E27FC236}">
-                <a16:creationId xmlns="" xmlns:a16="http://schemas.microsoft.com/office/drawing/2014/main" id="{5E8D481B-AA70-47B2-D724-B872B2D97377}"/>
+                <a16:creationId xmlns:a16="http://schemas.microsoft.com/office/drawing/2014/main" xmlns="" id="{5E8D481B-AA70-47B2-D724-B872B2D97377}"/>
               </a:ext>
             </a:extLst>
           </p:cNvPr>
@@ -7235,7 +7172,7 @@
     </p:spTree>
     <p:extLst>
       <p:ext uri="{BB962C8B-B14F-4D97-AF65-F5344CB8AC3E}">
-        <p14:creationId xmlns="" xmlns:p14="http://schemas.microsoft.com/office/powerpoint/2010/main" val="3511436495"/>
+        <p14:creationId xmlns:p14="http://schemas.microsoft.com/office/powerpoint/2010/main" xmlns="" val="3511436495"/>
       </p:ext>
     </p:extLst>
   </p:cSld>
@@ -7243,7 +7180,7 @@
     <a:masterClrMapping/>
   </p:clrMapOvr>
   <mc:AlternateContent xmlns:mc="http://schemas.openxmlformats.org/markup-compatibility/2006">
-    <mc:Choice xmlns="" xmlns:p14="http://schemas.microsoft.com/office/powerpoint/2010/main" Requires="p14">
+    <mc:Choice xmlns:p14="http://schemas.microsoft.com/office/powerpoint/2010/main" xmlns="" Requires="p14">
       <p:transition spd="slow" p14:dur="2000" advClick="0" advTm="5000"/>
     </mc:Choice>
     <mc:Fallback>
@@ -7542,7 +7479,7 @@
   <a:extraClrSchemeLst/>
   <a:extLst>
     <a:ext uri="{05A4C25C-085E-4340-85A3-A5531E510DB2}">
-      <thm15:themeFamily xmlns="" xmlns:thm15="http://schemas.microsoft.com/office/thememl/2012/main" name="18-Brand-Standards-Corporate-Template-R01  -  Repaired" id="{7628EEB4-EE5B-45F0-B1DA-E888BA5DCC7D}" vid="{48500A91-5F3F-4738-B9EF-D77D3C06827C}"/>
+      <thm15:themeFamily xmlns:thm15="http://schemas.microsoft.com/office/thememl/2012/main" xmlns="" name="18-Brand-Standards-Corporate-Template-R01  -  Repaired" id="{7628EEB4-EE5B-45F0-B1DA-E888BA5DCC7D}" vid="{48500A91-5F3F-4738-B9EF-D77D3C06827C}"/>
     </a:ext>
   </a:extLst>
 </a:theme>
@@ -7837,7 +7774,7 @@
   <a:extraClrSchemeLst/>
   <a:extLst>
     <a:ext uri="{05A4C25C-085E-4340-85A3-A5531E510DB2}">
-      <thm15:themeFamily xmlns="" xmlns:thm15="http://schemas.microsoft.com/office/thememl/2012/main" name="Office Theme" id="{62F939B6-93AF-4DB8-9C6B-D6C7DFDC589F}" vid="{4A3C46E8-61CC-4603-A589-7422A47A8E4A}"/>
+      <thm15:themeFamily xmlns:thm15="http://schemas.microsoft.com/office/thememl/2012/main" xmlns="" name="Office Theme" id="{62F939B6-93AF-4DB8-9C6B-D6C7DFDC589F}" vid="{4A3C46E8-61CC-4603-A589-7422A47A8E4A}"/>
     </a:ext>
   </a:extLst>
 </a:theme>
@@ -8132,13 +8069,33 @@
   <a:extraClrSchemeLst/>
   <a:extLst>
     <a:ext uri="{05A4C25C-085E-4340-85A3-A5531E510DB2}">
-      <thm15:themeFamily xmlns="" xmlns:thm15="http://schemas.microsoft.com/office/thememl/2012/main" name="Office Theme" id="{62F939B6-93AF-4DB8-9C6B-D6C7DFDC589F}" vid="{4A3C46E8-61CC-4603-A589-7422A47A8E4A}"/>
+      <thm15:themeFamily xmlns:thm15="http://schemas.microsoft.com/office/thememl/2012/main" xmlns="" name="Office Theme" id="{62F939B6-93AF-4DB8-9C6B-D6C7DFDC589F}" vid="{4A3C46E8-61CC-4603-A589-7422A47A8E4A}"/>
     </a:ext>
   </a:extLst>
 </a:theme>
 </file>
 
 <file path=customXml/item1.xml><?xml version="1.0" encoding="utf-8"?>
+<?mso-contentType ?>
+<FormTemplates xmlns="http://schemas.microsoft.com/sharepoint/v3/contenttype/forms">
+  <Display>DocumentLibraryForm</Display>
+  <Edit>DocumentLibraryForm</Edit>
+  <New>DocumentLibraryForm</New>
+</FormTemplates>
+</file>
+
+<file path=customXml/item2.xml><?xml version="1.0" encoding="utf-8"?>
+<p:properties xmlns:p="http://schemas.microsoft.com/office/2006/metadata/properties" xmlns:xsi="http://www.w3.org/2001/XMLSchema-instance" xmlns:pc="http://schemas.microsoft.com/office/infopath/2007/PartnerControls">
+  <documentManagement>
+    <lcf76f155ced4ddcb4097134ff3c332f xmlns="80cd682b-b40f-411e-9891-5e2a388e0f2a">
+      <Terms xmlns="http://schemas.microsoft.com/office/infopath/2007/PartnerControls"/>
+    </lcf76f155ced4ddcb4097134ff3c332f>
+    <TaxCatchAll xmlns="0a5436c3-62bb-42e4-abd1-a0a4955fdeca" xsi:nil="true"/>
+  </documentManagement>
+</p:properties>
+</file>
+
+<file path=customXml/item3.xml><?xml version="1.0" encoding="utf-8"?>
 <ct:contentTypeSchema xmlns:ct="http://schemas.microsoft.com/office/2006/metadata/contentType" xmlns:ma="http://schemas.microsoft.com/office/2006/metadata/properties/metaAttributes" ct:_="" ma:_="" ma:contentTypeName="Document" ma:contentTypeID="0x010100E88E7F3DB7B651438BE2EE6496C5288F" ma:contentTypeVersion="15" ma:contentTypeDescription="Create a new document." ma:contentTypeScope="" ma:versionID="f84292184f4f7fbb88c788eaae096a70">
   <xsd:schema xmlns:xsd="http://www.w3.org/2001/XMLSchema" xmlns:xs="http://www.w3.org/2001/XMLSchema" xmlns:p="http://schemas.microsoft.com/office/2006/metadata/properties" xmlns:ns2="80cd682b-b40f-411e-9891-5e2a388e0f2a" xmlns:ns3="0a5436c3-62bb-42e4-abd1-a0a4955fdeca" targetNamespace="http://schemas.microsoft.com/office/2006/metadata/properties" ma:root="true" ma:fieldsID="a80ffcda42bd2f74d943b42b148c0425" ns2:_="" ns3:_="">
     <xsd:import namespace="80cd682b-b40f-411e-9891-5e2a388e0f2a"/>
@@ -8369,41 +8326,10 @@
 </ct:contentTypeSchema>
 </file>
 
-<file path=customXml/item2.xml><?xml version="1.0" encoding="utf-8"?>
-<p:properties xmlns:p="http://schemas.microsoft.com/office/2006/metadata/properties" xmlns:xsi="http://www.w3.org/2001/XMLSchema-instance" xmlns:pc="http://schemas.microsoft.com/office/infopath/2007/PartnerControls">
-  <documentManagement>
-    <lcf76f155ced4ddcb4097134ff3c332f xmlns="80cd682b-b40f-411e-9891-5e2a388e0f2a">
-      <Terms xmlns="http://schemas.microsoft.com/office/infopath/2007/PartnerControls"/>
-    </lcf76f155ced4ddcb4097134ff3c332f>
-    <TaxCatchAll xmlns="0a5436c3-62bb-42e4-abd1-a0a4955fdeca" xsi:nil="true"/>
-  </documentManagement>
-</p:properties>
-</file>
-
-<file path=customXml/item3.xml><?xml version="1.0" encoding="utf-8"?>
-<?mso-contentType ?>
-<FormTemplates xmlns="http://schemas.microsoft.com/sharepoint/v3/contenttype/forms">
-  <Display>DocumentLibraryForm</Display>
-  <Edit>DocumentLibraryForm</Edit>
-  <New>DocumentLibraryForm</New>
-</FormTemplates>
-</file>
-
 <file path=customXml/itemProps1.xml><?xml version="1.0" encoding="utf-8"?>
-<ds:datastoreItem xmlns:ds="http://schemas.openxmlformats.org/officeDocument/2006/customXml" ds:itemID="{149D4D71-E531-43EE-8F1C-8460734920B2}">
+<ds:datastoreItem xmlns:ds="http://schemas.openxmlformats.org/officeDocument/2006/customXml" ds:itemID="{C1BF3681-C3E5-4AF6-8050-4743C0D56164}">
   <ds:schemaRefs>
-    <ds:schemaRef ds:uri="0a5436c3-62bb-42e4-abd1-a0a4955fdeca"/>
-    <ds:schemaRef ds:uri="80cd682b-b40f-411e-9891-5e2a388e0f2a"/>
-    <ds:schemaRef ds:uri="http://purl.org/dc/elements/1.1/"/>
-    <ds:schemaRef ds:uri="http://purl.org/dc/terms/"/>
-    <ds:schemaRef ds:uri="http://schemas.microsoft.com/internal/obd"/>
-    <ds:schemaRef ds:uri="http://schemas.microsoft.com/office/2006/documentManagement/types"/>
-    <ds:schemaRef ds:uri="http://schemas.microsoft.com/office/2006/metadata/contentType"/>
-    <ds:schemaRef ds:uri="http://schemas.microsoft.com/office/2006/metadata/properties"/>
-    <ds:schemaRef ds:uri="http://schemas.microsoft.com/office/2006/metadata/properties/metaAttributes"/>
-    <ds:schemaRef ds:uri="http://schemas.microsoft.com/office/infopath/2007/PartnerControls"/>
-    <ds:schemaRef ds:uri="http://schemas.openxmlformats.org/package/2006/metadata/core-properties"/>
-    <ds:schemaRef ds:uri="http://www.w3.org/2001/XMLSchema"/>
+    <ds:schemaRef ds:uri="http://schemas.microsoft.com/sharepoint/v3/contenttype/forms"/>
   </ds:schemaRefs>
 </ds:datastoreItem>
 </file>
@@ -8426,9 +8352,20 @@
 </file>
 
 <file path=customXml/itemProps3.xml><?xml version="1.0" encoding="utf-8"?>
-<ds:datastoreItem xmlns:ds="http://schemas.openxmlformats.org/officeDocument/2006/customXml" ds:itemID="{C1BF3681-C3E5-4AF6-8050-4743C0D56164}">
+<ds:datastoreItem xmlns:ds="http://schemas.openxmlformats.org/officeDocument/2006/customXml" ds:itemID="{149D4D71-E531-43EE-8F1C-8460734920B2}">
   <ds:schemaRefs>
-    <ds:schemaRef ds:uri="http://schemas.microsoft.com/sharepoint/v3/contenttype/forms"/>
+    <ds:schemaRef ds:uri="0a5436c3-62bb-42e4-abd1-a0a4955fdeca"/>
+    <ds:schemaRef ds:uri="80cd682b-b40f-411e-9891-5e2a388e0f2a"/>
+    <ds:schemaRef ds:uri="http://purl.org/dc/elements/1.1/"/>
+    <ds:schemaRef ds:uri="http://purl.org/dc/terms/"/>
+    <ds:schemaRef ds:uri="http://schemas.microsoft.com/internal/obd"/>
+    <ds:schemaRef ds:uri="http://schemas.microsoft.com/office/2006/documentManagement/types"/>
+    <ds:schemaRef ds:uri="http://schemas.microsoft.com/office/2006/metadata/contentType"/>
+    <ds:schemaRef ds:uri="http://schemas.microsoft.com/office/2006/metadata/properties"/>
+    <ds:schemaRef ds:uri="http://schemas.microsoft.com/office/2006/metadata/properties/metaAttributes"/>
+    <ds:schemaRef ds:uri="http://schemas.microsoft.com/office/infopath/2007/PartnerControls"/>
+    <ds:schemaRef ds:uri="http://schemas.openxmlformats.org/package/2006/metadata/core-properties"/>
+    <ds:schemaRef ds:uri="http://www.w3.org/2001/XMLSchema"/>
   </ds:schemaRefs>
 </ds:datastoreItem>
 </file>